--- a/sniffer/编写网络嗅探器程序.pptx
+++ b/sniffer/编写网络嗅探器程序.pptx
@@ -4,27 +4,35 @@
   <p:sldMasterIdLst>
     <p:sldMasterId id="2147483648" r:id="rId1"/>
   </p:sldMasterIdLst>
+  <p:notesMasterIdLst>
+    <p:notesMasterId r:id="rId27"/>
+  </p:notesMasterIdLst>
   <p:sldIdLst>
     <p:sldId id="256" r:id="rId2"/>
-    <p:sldId id="257" r:id="rId3"/>
-    <p:sldId id="258" r:id="rId4"/>
-    <p:sldId id="259" r:id="rId5"/>
-    <p:sldId id="260" r:id="rId6"/>
-    <p:sldId id="261" r:id="rId7"/>
-    <p:sldId id="263" r:id="rId8"/>
-    <p:sldId id="264" r:id="rId9"/>
-    <p:sldId id="265" r:id="rId10"/>
-    <p:sldId id="266" r:id="rId11"/>
-    <p:sldId id="268" r:id="rId12"/>
-    <p:sldId id="267" r:id="rId13"/>
-    <p:sldId id="269" r:id="rId14"/>
-    <p:sldId id="270" r:id="rId15"/>
-    <p:sldId id="272" r:id="rId16"/>
-    <p:sldId id="275" r:id="rId17"/>
-    <p:sldId id="271" r:id="rId18"/>
-    <p:sldId id="276" r:id="rId19"/>
-    <p:sldId id="277" r:id="rId20"/>
-    <p:sldId id="278" r:id="rId21"/>
+    <p:sldId id="279" r:id="rId3"/>
+    <p:sldId id="280" r:id="rId4"/>
+    <p:sldId id="281" r:id="rId5"/>
+    <p:sldId id="282" r:id="rId6"/>
+    <p:sldId id="283" r:id="rId7"/>
+    <p:sldId id="257" r:id="rId8"/>
+    <p:sldId id="258" r:id="rId9"/>
+    <p:sldId id="259" r:id="rId10"/>
+    <p:sldId id="260" r:id="rId11"/>
+    <p:sldId id="261" r:id="rId12"/>
+    <p:sldId id="263" r:id="rId13"/>
+    <p:sldId id="264" r:id="rId14"/>
+    <p:sldId id="265" r:id="rId15"/>
+    <p:sldId id="266" r:id="rId16"/>
+    <p:sldId id="268" r:id="rId17"/>
+    <p:sldId id="267" r:id="rId18"/>
+    <p:sldId id="269" r:id="rId19"/>
+    <p:sldId id="270" r:id="rId20"/>
+    <p:sldId id="272" r:id="rId21"/>
+    <p:sldId id="275" r:id="rId22"/>
+    <p:sldId id="271" r:id="rId23"/>
+    <p:sldId id="276" r:id="rId24"/>
+    <p:sldId id="277" r:id="rId25"/>
+    <p:sldId id="278" r:id="rId26"/>
   </p:sldIdLst>
   <p:sldSz cx="9144000" cy="6858000" type="screen4x3"/>
   <p:notesSz cx="6858000" cy="9144000"/>
@@ -123,7 +131,456 @@
       </a:defRPr>
     </a:lvl9pPr>
   </p:defaultTextStyle>
+  <p:extLst>
+    <p:ext uri="{EFAFB233-063F-42B5-8137-9DF3F51BA10A}">
+      <p15:sldGuideLst xmlns:p15="http://schemas.microsoft.com/office/powerpoint/2012/main">
+        <p15:guide id="1" orient="horz" pos="2160">
+          <p15:clr>
+            <a:srgbClr val="A4A3A4"/>
+          </p15:clr>
+        </p15:guide>
+        <p15:guide id="2" pos="2880">
+          <p15:clr>
+            <a:srgbClr val="A4A3A4"/>
+          </p15:clr>
+        </p15:guide>
+      </p15:sldGuideLst>
+    </p:ext>
+  </p:extLst>
 </p:presentation>
+</file>
+
+<file path=ppt/notesMasters/notesMaster1.xml><?xml version="1.0" encoding="utf-8"?>
+<p:notesMaster xmlns:a="http://schemas.openxmlformats.org/drawingml/2006/main" xmlns:r="http://schemas.openxmlformats.org/officeDocument/2006/relationships" xmlns:p="http://schemas.openxmlformats.org/presentationml/2006/main">
+  <p:cSld>
+    <p:bg>
+      <p:bgRef idx="1001">
+        <a:schemeClr val="bg1"/>
+      </p:bgRef>
+    </p:bg>
+    <p:spTree>
+      <p:nvGrpSpPr>
+        <p:cNvPr id="1" name=""/>
+        <p:cNvGrpSpPr/>
+        <p:nvPr/>
+      </p:nvGrpSpPr>
+      <p:grpSpPr>
+        <a:xfrm>
+          <a:off x="0" y="0"/>
+          <a:ext cx="0" cy="0"/>
+          <a:chOff x="0" y="0"/>
+          <a:chExt cx="0" cy="0"/>
+        </a:xfrm>
+      </p:grpSpPr>
+      <p:sp>
+        <p:nvSpPr>
+          <p:cNvPr id="2" name="页眉占位符 1"/>
+          <p:cNvSpPr>
+            <a:spLocks noGrp="1"/>
+          </p:cNvSpPr>
+          <p:nvPr>
+            <p:ph type="hdr" sz="quarter"/>
+          </p:nvPr>
+        </p:nvSpPr>
+        <p:spPr>
+          <a:xfrm>
+            <a:off x="0" y="0"/>
+            <a:ext cx="2971800" cy="458788"/>
+          </a:xfrm>
+          <a:prstGeom prst="rect">
+            <a:avLst/>
+          </a:prstGeom>
+        </p:spPr>
+        <p:txBody>
+          <a:bodyPr vert="horz" lIns="91440" tIns="45720" rIns="91440" bIns="45720" rtlCol="0"/>
+          <a:lstStyle>
+            <a:lvl1pPr algn="l">
+              <a:defRPr sz="1200"/>
+            </a:lvl1pPr>
+          </a:lstStyle>
+          <a:p>
+            <a:endParaRPr lang="zh-CN" altLang="en-US"/>
+          </a:p>
+        </p:txBody>
+      </p:sp>
+      <p:sp>
+        <p:nvSpPr>
+          <p:cNvPr id="3" name="日期占位符 2"/>
+          <p:cNvSpPr>
+            <a:spLocks noGrp="1"/>
+          </p:cNvSpPr>
+          <p:nvPr>
+            <p:ph type="dt" idx="1"/>
+          </p:nvPr>
+        </p:nvSpPr>
+        <p:spPr>
+          <a:xfrm>
+            <a:off x="3884613" y="0"/>
+            <a:ext cx="2971800" cy="458788"/>
+          </a:xfrm>
+          <a:prstGeom prst="rect">
+            <a:avLst/>
+          </a:prstGeom>
+        </p:spPr>
+        <p:txBody>
+          <a:bodyPr vert="horz" lIns="91440" tIns="45720" rIns="91440" bIns="45720" rtlCol="0"/>
+          <a:lstStyle>
+            <a:lvl1pPr algn="r">
+              <a:defRPr sz="1200"/>
+            </a:lvl1pPr>
+          </a:lstStyle>
+          <a:p>
+            <a:fld id="{02BEB37C-8210-4740-9003-404A74472F26}" type="datetimeFigureOut">
+              <a:rPr lang="zh-CN" altLang="en-US" smtClean="0"/>
+              <a:t>2021/5/31</a:t>
+            </a:fld>
+            <a:endParaRPr lang="zh-CN" altLang="en-US"/>
+          </a:p>
+        </p:txBody>
+      </p:sp>
+      <p:sp>
+        <p:nvSpPr>
+          <p:cNvPr id="4" name="幻灯片图像占位符 3"/>
+          <p:cNvSpPr>
+            <a:spLocks noGrp="1" noRot="1" noChangeAspect="1"/>
+          </p:cNvSpPr>
+          <p:nvPr>
+            <p:ph type="sldImg" idx="2"/>
+          </p:nvPr>
+        </p:nvSpPr>
+        <p:spPr>
+          <a:xfrm>
+            <a:off x="1371600" y="1143000"/>
+            <a:ext cx="4114800" cy="3086100"/>
+          </a:xfrm>
+          <a:prstGeom prst="rect">
+            <a:avLst/>
+          </a:prstGeom>
+          <a:noFill/>
+          <a:ln w="12700">
+            <a:solidFill>
+              <a:prstClr val="black"/>
+            </a:solidFill>
+          </a:ln>
+        </p:spPr>
+        <p:txBody>
+          <a:bodyPr vert="horz" lIns="91440" tIns="45720" rIns="91440" bIns="45720" rtlCol="0" anchor="ctr"/>
+          <a:lstStyle/>
+          <a:p>
+            <a:endParaRPr lang="zh-CN" altLang="en-US"/>
+          </a:p>
+        </p:txBody>
+      </p:sp>
+      <p:sp>
+        <p:nvSpPr>
+          <p:cNvPr id="5" name="备注占位符 4"/>
+          <p:cNvSpPr>
+            <a:spLocks noGrp="1"/>
+          </p:cNvSpPr>
+          <p:nvPr>
+            <p:ph type="body" sz="quarter" idx="3"/>
+          </p:nvPr>
+        </p:nvSpPr>
+        <p:spPr>
+          <a:xfrm>
+            <a:off x="685800" y="4400550"/>
+            <a:ext cx="5486400" cy="3600450"/>
+          </a:xfrm>
+          <a:prstGeom prst="rect">
+            <a:avLst/>
+          </a:prstGeom>
+        </p:spPr>
+        <p:txBody>
+          <a:bodyPr vert="horz" lIns="91440" tIns="45720" rIns="91440" bIns="45720" rtlCol="0"/>
+          <a:lstStyle/>
+          <a:p>
+            <a:pPr lvl="0"/>
+            <a:r>
+              <a:rPr lang="zh-CN" altLang="en-US"/>
+              <a:t>单击此处编辑母版文本样式</a:t>
+            </a:r>
+          </a:p>
+          <a:p>
+            <a:pPr lvl="1"/>
+            <a:r>
+              <a:rPr lang="zh-CN" altLang="en-US"/>
+              <a:t>二级</a:t>
+            </a:r>
+          </a:p>
+          <a:p>
+            <a:pPr lvl="2"/>
+            <a:r>
+              <a:rPr lang="zh-CN" altLang="en-US"/>
+              <a:t>三级</a:t>
+            </a:r>
+          </a:p>
+          <a:p>
+            <a:pPr lvl="3"/>
+            <a:r>
+              <a:rPr lang="zh-CN" altLang="en-US"/>
+              <a:t>四级</a:t>
+            </a:r>
+          </a:p>
+          <a:p>
+            <a:pPr lvl="4"/>
+            <a:r>
+              <a:rPr lang="zh-CN" altLang="en-US"/>
+              <a:t>五级</a:t>
+            </a:r>
+          </a:p>
+        </p:txBody>
+      </p:sp>
+      <p:sp>
+        <p:nvSpPr>
+          <p:cNvPr id="6" name="页脚占位符 5"/>
+          <p:cNvSpPr>
+            <a:spLocks noGrp="1"/>
+          </p:cNvSpPr>
+          <p:nvPr>
+            <p:ph type="ftr" sz="quarter" idx="4"/>
+          </p:nvPr>
+        </p:nvSpPr>
+        <p:spPr>
+          <a:xfrm>
+            <a:off x="0" y="8685213"/>
+            <a:ext cx="2971800" cy="458787"/>
+          </a:xfrm>
+          <a:prstGeom prst="rect">
+            <a:avLst/>
+          </a:prstGeom>
+        </p:spPr>
+        <p:txBody>
+          <a:bodyPr vert="horz" lIns="91440" tIns="45720" rIns="91440" bIns="45720" rtlCol="0" anchor="b"/>
+          <a:lstStyle>
+            <a:lvl1pPr algn="l">
+              <a:defRPr sz="1200"/>
+            </a:lvl1pPr>
+          </a:lstStyle>
+          <a:p>
+            <a:endParaRPr lang="zh-CN" altLang="en-US"/>
+          </a:p>
+        </p:txBody>
+      </p:sp>
+      <p:sp>
+        <p:nvSpPr>
+          <p:cNvPr id="7" name="灯片编号占位符 6"/>
+          <p:cNvSpPr>
+            <a:spLocks noGrp="1"/>
+          </p:cNvSpPr>
+          <p:nvPr>
+            <p:ph type="sldNum" sz="quarter" idx="5"/>
+          </p:nvPr>
+        </p:nvSpPr>
+        <p:spPr>
+          <a:xfrm>
+            <a:off x="3884613" y="8685213"/>
+            <a:ext cx="2971800" cy="458787"/>
+          </a:xfrm>
+          <a:prstGeom prst="rect">
+            <a:avLst/>
+          </a:prstGeom>
+        </p:spPr>
+        <p:txBody>
+          <a:bodyPr vert="horz" lIns="91440" tIns="45720" rIns="91440" bIns="45720" rtlCol="0" anchor="b"/>
+          <a:lstStyle>
+            <a:lvl1pPr algn="r">
+              <a:defRPr sz="1200"/>
+            </a:lvl1pPr>
+          </a:lstStyle>
+          <a:p>
+            <a:fld id="{22F11641-6AAC-4E53-B4EF-D9E987D055DB}" type="slidenum">
+              <a:rPr lang="zh-CN" altLang="en-US" smtClean="0"/>
+              <a:t>‹#›</a:t>
+            </a:fld>
+            <a:endParaRPr lang="zh-CN" altLang="en-US"/>
+          </a:p>
+        </p:txBody>
+      </p:sp>
+    </p:spTree>
+    <p:extLst>
+      <p:ext uri="{BB962C8B-B14F-4D97-AF65-F5344CB8AC3E}">
+        <p14:creationId xmlns:p14="http://schemas.microsoft.com/office/powerpoint/2010/main" val="4174661975"/>
+      </p:ext>
+    </p:extLst>
+  </p:cSld>
+  <p:clrMap bg1="lt1" tx1="dk1" bg2="lt2" tx2="dk2" accent1="accent1" accent2="accent2" accent3="accent3" accent4="accent4" accent5="accent5" accent6="accent6" hlink="hlink" folHlink="folHlink"/>
+  <p:notesStyle>
+    <a:lvl1pPr marL="0" algn="l" defTabSz="914400" rtl="0" eaLnBrk="1" latinLnBrk="0" hangingPunct="1">
+      <a:defRPr sz="1200" kern="1200">
+        <a:solidFill>
+          <a:schemeClr val="tx1"/>
+        </a:solidFill>
+        <a:latin typeface="+mn-lt"/>
+        <a:ea typeface="+mn-ea"/>
+        <a:cs typeface="+mn-cs"/>
+      </a:defRPr>
+    </a:lvl1pPr>
+    <a:lvl2pPr marL="457200" algn="l" defTabSz="914400" rtl="0" eaLnBrk="1" latinLnBrk="0" hangingPunct="1">
+      <a:defRPr sz="1200" kern="1200">
+        <a:solidFill>
+          <a:schemeClr val="tx1"/>
+        </a:solidFill>
+        <a:latin typeface="+mn-lt"/>
+        <a:ea typeface="+mn-ea"/>
+        <a:cs typeface="+mn-cs"/>
+      </a:defRPr>
+    </a:lvl2pPr>
+    <a:lvl3pPr marL="914400" algn="l" defTabSz="914400" rtl="0" eaLnBrk="1" latinLnBrk="0" hangingPunct="1">
+      <a:defRPr sz="1200" kern="1200">
+        <a:solidFill>
+          <a:schemeClr val="tx1"/>
+        </a:solidFill>
+        <a:latin typeface="+mn-lt"/>
+        <a:ea typeface="+mn-ea"/>
+        <a:cs typeface="+mn-cs"/>
+      </a:defRPr>
+    </a:lvl3pPr>
+    <a:lvl4pPr marL="1371600" algn="l" defTabSz="914400" rtl="0" eaLnBrk="1" latinLnBrk="0" hangingPunct="1">
+      <a:defRPr sz="1200" kern="1200">
+        <a:solidFill>
+          <a:schemeClr val="tx1"/>
+        </a:solidFill>
+        <a:latin typeface="+mn-lt"/>
+        <a:ea typeface="+mn-ea"/>
+        <a:cs typeface="+mn-cs"/>
+      </a:defRPr>
+    </a:lvl4pPr>
+    <a:lvl5pPr marL="1828800" algn="l" defTabSz="914400" rtl="0" eaLnBrk="1" latinLnBrk="0" hangingPunct="1">
+      <a:defRPr sz="1200" kern="1200">
+        <a:solidFill>
+          <a:schemeClr val="tx1"/>
+        </a:solidFill>
+        <a:latin typeface="+mn-lt"/>
+        <a:ea typeface="+mn-ea"/>
+        <a:cs typeface="+mn-cs"/>
+      </a:defRPr>
+    </a:lvl5pPr>
+    <a:lvl6pPr marL="2286000" algn="l" defTabSz="914400" rtl="0" eaLnBrk="1" latinLnBrk="0" hangingPunct="1">
+      <a:defRPr sz="1200" kern="1200">
+        <a:solidFill>
+          <a:schemeClr val="tx1"/>
+        </a:solidFill>
+        <a:latin typeface="+mn-lt"/>
+        <a:ea typeface="+mn-ea"/>
+        <a:cs typeface="+mn-cs"/>
+      </a:defRPr>
+    </a:lvl6pPr>
+    <a:lvl7pPr marL="2743200" algn="l" defTabSz="914400" rtl="0" eaLnBrk="1" latinLnBrk="0" hangingPunct="1">
+      <a:defRPr sz="1200" kern="1200">
+        <a:solidFill>
+          <a:schemeClr val="tx1"/>
+        </a:solidFill>
+        <a:latin typeface="+mn-lt"/>
+        <a:ea typeface="+mn-ea"/>
+        <a:cs typeface="+mn-cs"/>
+      </a:defRPr>
+    </a:lvl7pPr>
+    <a:lvl8pPr marL="3200400" algn="l" defTabSz="914400" rtl="0" eaLnBrk="1" latinLnBrk="0" hangingPunct="1">
+      <a:defRPr sz="1200" kern="1200">
+        <a:solidFill>
+          <a:schemeClr val="tx1"/>
+        </a:solidFill>
+        <a:latin typeface="+mn-lt"/>
+        <a:ea typeface="+mn-ea"/>
+        <a:cs typeface="+mn-cs"/>
+      </a:defRPr>
+    </a:lvl8pPr>
+    <a:lvl9pPr marL="3657600" algn="l" defTabSz="914400" rtl="0" eaLnBrk="1" latinLnBrk="0" hangingPunct="1">
+      <a:defRPr sz="1200" kern="1200">
+        <a:solidFill>
+          <a:schemeClr val="tx1"/>
+        </a:solidFill>
+        <a:latin typeface="+mn-lt"/>
+        <a:ea typeface="+mn-ea"/>
+        <a:cs typeface="+mn-cs"/>
+      </a:defRPr>
+    </a:lvl9pPr>
+  </p:notesStyle>
+</p:notesMaster>
+</file>
+
+<file path=ppt/notesSlides/notesSlide1.xml><?xml version="1.0" encoding="utf-8"?>
+<p:notes xmlns:a="http://schemas.openxmlformats.org/drawingml/2006/main" xmlns:r="http://schemas.openxmlformats.org/officeDocument/2006/relationships" xmlns:p="http://schemas.openxmlformats.org/presentationml/2006/main">
+  <p:cSld>
+    <p:spTree>
+      <p:nvGrpSpPr>
+        <p:cNvPr id="1" name=""/>
+        <p:cNvGrpSpPr/>
+        <p:nvPr/>
+      </p:nvGrpSpPr>
+      <p:grpSpPr>
+        <a:xfrm>
+          <a:off x="0" y="0"/>
+          <a:ext cx="0" cy="0"/>
+          <a:chOff x="0" y="0"/>
+          <a:chExt cx="0" cy="0"/>
+        </a:xfrm>
+      </p:grpSpPr>
+      <p:sp>
+        <p:nvSpPr>
+          <p:cNvPr id="2" name="幻灯片图像占位符 1"/>
+          <p:cNvSpPr>
+            <a:spLocks noGrp="1" noRot="1" noChangeAspect="1"/>
+          </p:cNvSpPr>
+          <p:nvPr>
+            <p:ph type="sldImg"/>
+          </p:nvPr>
+        </p:nvSpPr>
+        <p:spPr/>
+      </p:sp>
+      <p:sp>
+        <p:nvSpPr>
+          <p:cNvPr id="3" name="备注占位符 2"/>
+          <p:cNvSpPr>
+            <a:spLocks noGrp="1"/>
+          </p:cNvSpPr>
+          <p:nvPr>
+            <p:ph type="body" idx="1"/>
+          </p:nvPr>
+        </p:nvSpPr>
+        <p:spPr/>
+        <p:txBody>
+          <a:bodyPr/>
+          <a:lstStyle/>
+          <a:p>
+            <a:endParaRPr lang="zh-CN" altLang="en-US" dirty="0"/>
+          </a:p>
+        </p:txBody>
+      </p:sp>
+      <p:sp>
+        <p:nvSpPr>
+          <p:cNvPr id="4" name="灯片编号占位符 3"/>
+          <p:cNvSpPr>
+            <a:spLocks noGrp="1"/>
+          </p:cNvSpPr>
+          <p:nvPr>
+            <p:ph type="sldNum" sz="quarter" idx="5"/>
+          </p:nvPr>
+        </p:nvSpPr>
+        <p:spPr/>
+        <p:txBody>
+          <a:bodyPr/>
+          <a:lstStyle/>
+          <a:p>
+            <a:fld id="{22F11641-6AAC-4E53-B4EF-D9E987D055DB}" type="slidenum">
+              <a:rPr lang="zh-CN" altLang="en-US" smtClean="0"/>
+              <a:t>2</a:t>
+            </a:fld>
+            <a:endParaRPr lang="zh-CN" altLang="en-US"/>
+          </a:p>
+        </p:txBody>
+      </p:sp>
+    </p:spTree>
+    <p:extLst>
+      <p:ext uri="{BB962C8B-B14F-4D97-AF65-F5344CB8AC3E}">
+        <p14:creationId xmlns:p14="http://schemas.microsoft.com/office/powerpoint/2010/main" val="1506481630"/>
+      </p:ext>
+    </p:extLst>
+  </p:cSld>
+  <p:clrMapOvr>
+    <a:masterClrMapping/>
+  </p:clrMapOvr>
+</p:notes>
 </file>
 
 <file path=ppt/slideLayouts/slideLayout1.xml><?xml version="1.0" encoding="utf-8"?>
@@ -164,10 +621,9 @@
           <a:lstStyle/>
           <a:p>
             <a:r>
-              <a:rPr lang="zh-CN" altLang="en-US" smtClean="0"/>
+              <a:rPr lang="zh-CN" altLang="en-US"/>
               <a:t>单击此处编辑母版标题样式</a:t>
             </a:r>
-            <a:endParaRPr lang="zh-CN" altLang="en-US"/>
           </a:p>
         </p:txBody>
       </p:sp>
@@ -283,10 +739,9 @@
           </a:lstStyle>
           <a:p>
             <a:r>
-              <a:rPr lang="zh-CN" altLang="en-US" smtClean="0"/>
+              <a:rPr lang="zh-CN" altLang="en-US"/>
               <a:t>单击此处编辑母版副标题样式</a:t>
             </a:r>
-            <a:endParaRPr lang="zh-CN" altLang="en-US"/>
           </a:p>
         </p:txBody>
       </p:sp>
@@ -308,7 +763,7 @@
             <a:fld id="{530820CF-B880-4189-942D-D702A7CBA730}" type="datetimeFigureOut">
               <a:rPr lang="zh-CN" altLang="en-US" smtClean="0"/>
               <a:pPr/>
-              <a:t>2016/5/4</a:t>
+              <a:t>2021/5/31</a:t>
             </a:fld>
             <a:endParaRPr lang="zh-CN" altLang="en-US"/>
           </a:p>
@@ -398,10 +853,9 @@
           <a:lstStyle/>
           <a:p>
             <a:r>
-              <a:rPr lang="zh-CN" altLang="en-US" smtClean="0"/>
+              <a:rPr lang="zh-CN" altLang="en-US"/>
               <a:t>单击此处编辑母版标题样式</a:t>
             </a:r>
-            <a:endParaRPr lang="zh-CN" altLang="en-US"/>
           </a:p>
         </p:txBody>
       </p:sp>
@@ -422,38 +876,37 @@
           <a:p>
             <a:pPr lvl="0"/>
             <a:r>
-              <a:rPr lang="zh-CN" altLang="en-US" smtClean="0"/>
+              <a:rPr lang="zh-CN" altLang="en-US"/>
               <a:t>单击此处编辑母版文本样式</a:t>
             </a:r>
           </a:p>
           <a:p>
             <a:pPr lvl="1"/>
             <a:r>
-              <a:rPr lang="zh-CN" altLang="en-US" smtClean="0"/>
+              <a:rPr lang="zh-CN" altLang="en-US"/>
               <a:t>第二级</a:t>
             </a:r>
           </a:p>
           <a:p>
             <a:pPr lvl="2"/>
             <a:r>
-              <a:rPr lang="zh-CN" altLang="en-US" smtClean="0"/>
+              <a:rPr lang="zh-CN" altLang="en-US"/>
               <a:t>第三级</a:t>
             </a:r>
           </a:p>
           <a:p>
             <a:pPr lvl="3"/>
             <a:r>
-              <a:rPr lang="zh-CN" altLang="en-US" smtClean="0"/>
+              <a:rPr lang="zh-CN" altLang="en-US"/>
               <a:t>第四级</a:t>
             </a:r>
           </a:p>
           <a:p>
             <a:pPr lvl="4"/>
             <a:r>
-              <a:rPr lang="zh-CN" altLang="en-US" smtClean="0"/>
+              <a:rPr lang="zh-CN" altLang="en-US"/>
               <a:t>第五级</a:t>
             </a:r>
-            <a:endParaRPr lang="zh-CN" altLang="en-US"/>
           </a:p>
         </p:txBody>
       </p:sp>
@@ -475,7 +928,7 @@
             <a:fld id="{530820CF-B880-4189-942D-D702A7CBA730}" type="datetimeFigureOut">
               <a:rPr lang="zh-CN" altLang="en-US" smtClean="0"/>
               <a:pPr/>
-              <a:t>2016/5/4</a:t>
+              <a:t>2021/5/31</a:t>
             </a:fld>
             <a:endParaRPr lang="zh-CN" altLang="en-US"/>
           </a:p>
@@ -570,10 +1023,9 @@
           <a:lstStyle/>
           <a:p>
             <a:r>
-              <a:rPr lang="zh-CN" altLang="en-US" smtClean="0"/>
+              <a:rPr lang="zh-CN" altLang="en-US"/>
               <a:t>单击此处编辑母版标题样式</a:t>
             </a:r>
-            <a:endParaRPr lang="zh-CN" altLang="en-US"/>
           </a:p>
         </p:txBody>
       </p:sp>
@@ -599,38 +1051,37 @@
           <a:p>
             <a:pPr lvl="0"/>
             <a:r>
-              <a:rPr lang="zh-CN" altLang="en-US" smtClean="0"/>
+              <a:rPr lang="zh-CN" altLang="en-US"/>
               <a:t>单击此处编辑母版文本样式</a:t>
             </a:r>
           </a:p>
           <a:p>
             <a:pPr lvl="1"/>
             <a:r>
-              <a:rPr lang="zh-CN" altLang="en-US" smtClean="0"/>
+              <a:rPr lang="zh-CN" altLang="en-US"/>
               <a:t>第二级</a:t>
             </a:r>
           </a:p>
           <a:p>
             <a:pPr lvl="2"/>
             <a:r>
-              <a:rPr lang="zh-CN" altLang="en-US" smtClean="0"/>
+              <a:rPr lang="zh-CN" altLang="en-US"/>
               <a:t>第三级</a:t>
             </a:r>
           </a:p>
           <a:p>
             <a:pPr lvl="3"/>
             <a:r>
-              <a:rPr lang="zh-CN" altLang="en-US" smtClean="0"/>
+              <a:rPr lang="zh-CN" altLang="en-US"/>
               <a:t>第四级</a:t>
             </a:r>
           </a:p>
           <a:p>
             <a:pPr lvl="4"/>
             <a:r>
-              <a:rPr lang="zh-CN" altLang="en-US" smtClean="0"/>
+              <a:rPr lang="zh-CN" altLang="en-US"/>
               <a:t>第五级</a:t>
             </a:r>
-            <a:endParaRPr lang="zh-CN" altLang="en-US"/>
           </a:p>
         </p:txBody>
       </p:sp>
@@ -652,7 +1103,7 @@
             <a:fld id="{530820CF-B880-4189-942D-D702A7CBA730}" type="datetimeFigureOut">
               <a:rPr lang="zh-CN" altLang="en-US" smtClean="0"/>
               <a:pPr/>
-              <a:t>2016/5/4</a:t>
+              <a:t>2021/5/31</a:t>
             </a:fld>
             <a:endParaRPr lang="zh-CN" altLang="en-US"/>
           </a:p>
@@ -742,10 +1193,9 @@
           <a:lstStyle/>
           <a:p>
             <a:r>
-              <a:rPr lang="zh-CN" altLang="en-US" smtClean="0"/>
+              <a:rPr lang="zh-CN" altLang="en-US"/>
               <a:t>单击此处编辑母版标题样式</a:t>
             </a:r>
-            <a:endParaRPr lang="zh-CN" altLang="en-US"/>
           </a:p>
         </p:txBody>
       </p:sp>
@@ -766,38 +1216,37 @@
           <a:p>
             <a:pPr lvl="0"/>
             <a:r>
-              <a:rPr lang="zh-CN" altLang="en-US" smtClean="0"/>
+              <a:rPr lang="zh-CN" altLang="en-US"/>
               <a:t>单击此处编辑母版文本样式</a:t>
             </a:r>
           </a:p>
           <a:p>
             <a:pPr lvl="1"/>
             <a:r>
-              <a:rPr lang="zh-CN" altLang="en-US" smtClean="0"/>
+              <a:rPr lang="zh-CN" altLang="en-US"/>
               <a:t>第二级</a:t>
             </a:r>
           </a:p>
           <a:p>
             <a:pPr lvl="2"/>
             <a:r>
-              <a:rPr lang="zh-CN" altLang="en-US" smtClean="0"/>
+              <a:rPr lang="zh-CN" altLang="en-US"/>
               <a:t>第三级</a:t>
             </a:r>
           </a:p>
           <a:p>
             <a:pPr lvl="3"/>
             <a:r>
-              <a:rPr lang="zh-CN" altLang="en-US" smtClean="0"/>
+              <a:rPr lang="zh-CN" altLang="en-US"/>
               <a:t>第四级</a:t>
             </a:r>
           </a:p>
           <a:p>
             <a:pPr lvl="4"/>
             <a:r>
-              <a:rPr lang="zh-CN" altLang="en-US" smtClean="0"/>
+              <a:rPr lang="zh-CN" altLang="en-US"/>
               <a:t>第五级</a:t>
             </a:r>
-            <a:endParaRPr lang="zh-CN" altLang="en-US"/>
           </a:p>
         </p:txBody>
       </p:sp>
@@ -819,7 +1268,7 @@
             <a:fld id="{530820CF-B880-4189-942D-D702A7CBA730}" type="datetimeFigureOut">
               <a:rPr lang="zh-CN" altLang="en-US" smtClean="0"/>
               <a:pPr/>
-              <a:t>2016/5/4</a:t>
+              <a:t>2021/5/31</a:t>
             </a:fld>
             <a:endParaRPr lang="zh-CN" altLang="en-US"/>
           </a:p>
@@ -918,10 +1367,9 @@
           </a:lstStyle>
           <a:p>
             <a:r>
-              <a:rPr lang="zh-CN" altLang="en-US" smtClean="0"/>
+              <a:rPr lang="zh-CN" altLang="en-US"/>
               <a:t>单击此处编辑母版标题样式</a:t>
             </a:r>
-            <a:endParaRPr lang="zh-CN" altLang="en-US"/>
           </a:p>
         </p:txBody>
       </p:sp>
@@ -1038,7 +1486,7 @@
           <a:p>
             <a:pPr lvl="0"/>
             <a:r>
-              <a:rPr lang="zh-CN" altLang="en-US" smtClean="0"/>
+              <a:rPr lang="zh-CN" altLang="en-US"/>
               <a:t>单击此处编辑母版文本样式</a:t>
             </a:r>
           </a:p>
@@ -1062,7 +1510,7 @@
             <a:fld id="{530820CF-B880-4189-942D-D702A7CBA730}" type="datetimeFigureOut">
               <a:rPr lang="zh-CN" altLang="en-US" smtClean="0"/>
               <a:pPr/>
-              <a:t>2016/5/4</a:t>
+              <a:t>2021/5/31</a:t>
             </a:fld>
             <a:endParaRPr lang="zh-CN" altLang="en-US"/>
           </a:p>
@@ -1152,10 +1600,9 @@
           <a:lstStyle/>
           <a:p>
             <a:r>
-              <a:rPr lang="zh-CN" altLang="en-US" smtClean="0"/>
+              <a:rPr lang="zh-CN" altLang="en-US"/>
               <a:t>单击此处编辑母版标题样式</a:t>
             </a:r>
-            <a:endParaRPr lang="zh-CN" altLang="en-US"/>
           </a:p>
         </p:txBody>
       </p:sp>
@@ -1209,38 +1656,37 @@
           <a:p>
             <a:pPr lvl="0"/>
             <a:r>
-              <a:rPr lang="zh-CN" altLang="en-US" smtClean="0"/>
+              <a:rPr lang="zh-CN" altLang="en-US"/>
               <a:t>单击此处编辑母版文本样式</a:t>
             </a:r>
           </a:p>
           <a:p>
             <a:pPr lvl="1"/>
             <a:r>
-              <a:rPr lang="zh-CN" altLang="en-US" smtClean="0"/>
+              <a:rPr lang="zh-CN" altLang="en-US"/>
               <a:t>第二级</a:t>
             </a:r>
           </a:p>
           <a:p>
             <a:pPr lvl="2"/>
             <a:r>
-              <a:rPr lang="zh-CN" altLang="en-US" smtClean="0"/>
+              <a:rPr lang="zh-CN" altLang="en-US"/>
               <a:t>第三级</a:t>
             </a:r>
           </a:p>
           <a:p>
             <a:pPr lvl="3"/>
             <a:r>
-              <a:rPr lang="zh-CN" altLang="en-US" smtClean="0"/>
+              <a:rPr lang="zh-CN" altLang="en-US"/>
               <a:t>第四级</a:t>
             </a:r>
           </a:p>
           <a:p>
             <a:pPr lvl="4"/>
             <a:r>
-              <a:rPr lang="zh-CN" altLang="en-US" smtClean="0"/>
+              <a:rPr lang="zh-CN" altLang="en-US"/>
               <a:t>第五级</a:t>
             </a:r>
-            <a:endParaRPr lang="zh-CN" altLang="en-US"/>
           </a:p>
         </p:txBody>
       </p:sp>
@@ -1294,38 +1740,37 @@
           <a:p>
             <a:pPr lvl="0"/>
             <a:r>
-              <a:rPr lang="zh-CN" altLang="en-US" smtClean="0"/>
+              <a:rPr lang="zh-CN" altLang="en-US"/>
               <a:t>单击此处编辑母版文本样式</a:t>
             </a:r>
           </a:p>
           <a:p>
             <a:pPr lvl="1"/>
             <a:r>
-              <a:rPr lang="zh-CN" altLang="en-US" smtClean="0"/>
+              <a:rPr lang="zh-CN" altLang="en-US"/>
               <a:t>第二级</a:t>
             </a:r>
           </a:p>
           <a:p>
             <a:pPr lvl="2"/>
             <a:r>
-              <a:rPr lang="zh-CN" altLang="en-US" smtClean="0"/>
+              <a:rPr lang="zh-CN" altLang="en-US"/>
               <a:t>第三级</a:t>
             </a:r>
           </a:p>
           <a:p>
             <a:pPr lvl="3"/>
             <a:r>
-              <a:rPr lang="zh-CN" altLang="en-US" smtClean="0"/>
+              <a:rPr lang="zh-CN" altLang="en-US"/>
               <a:t>第四级</a:t>
             </a:r>
           </a:p>
           <a:p>
             <a:pPr lvl="4"/>
             <a:r>
-              <a:rPr lang="zh-CN" altLang="en-US" smtClean="0"/>
+              <a:rPr lang="zh-CN" altLang="en-US"/>
               <a:t>第五级</a:t>
             </a:r>
-            <a:endParaRPr lang="zh-CN" altLang="en-US"/>
           </a:p>
         </p:txBody>
       </p:sp>
@@ -1347,7 +1792,7 @@
             <a:fld id="{530820CF-B880-4189-942D-D702A7CBA730}" type="datetimeFigureOut">
               <a:rPr lang="zh-CN" altLang="en-US" smtClean="0"/>
               <a:pPr/>
-              <a:t>2016/5/4</a:t>
+              <a:t>2021/5/31</a:t>
             </a:fld>
             <a:endParaRPr lang="zh-CN" altLang="en-US"/>
           </a:p>
@@ -1441,10 +1886,9 @@
           </a:lstStyle>
           <a:p>
             <a:r>
-              <a:rPr lang="zh-CN" altLang="en-US" smtClean="0"/>
+              <a:rPr lang="zh-CN" altLang="en-US"/>
               <a:t>单击此处编辑母版标题样式</a:t>
             </a:r>
-            <a:endParaRPr lang="zh-CN" altLang="en-US"/>
           </a:p>
         </p:txBody>
       </p:sp>
@@ -1507,7 +1951,7 @@
           <a:p>
             <a:pPr lvl="0"/>
             <a:r>
-              <a:rPr lang="zh-CN" altLang="en-US" smtClean="0"/>
+              <a:rPr lang="zh-CN" altLang="en-US"/>
               <a:t>单击此处编辑母版文本样式</a:t>
             </a:r>
           </a:p>
@@ -1563,38 +2007,37 @@
           <a:p>
             <a:pPr lvl="0"/>
             <a:r>
-              <a:rPr lang="zh-CN" altLang="en-US" smtClean="0"/>
+              <a:rPr lang="zh-CN" altLang="en-US"/>
               <a:t>单击此处编辑母版文本样式</a:t>
             </a:r>
           </a:p>
           <a:p>
             <a:pPr lvl="1"/>
             <a:r>
-              <a:rPr lang="zh-CN" altLang="en-US" smtClean="0"/>
+              <a:rPr lang="zh-CN" altLang="en-US"/>
               <a:t>第二级</a:t>
             </a:r>
           </a:p>
           <a:p>
             <a:pPr lvl="2"/>
             <a:r>
-              <a:rPr lang="zh-CN" altLang="en-US" smtClean="0"/>
+              <a:rPr lang="zh-CN" altLang="en-US"/>
               <a:t>第三级</a:t>
             </a:r>
           </a:p>
           <a:p>
             <a:pPr lvl="3"/>
             <a:r>
-              <a:rPr lang="zh-CN" altLang="en-US" smtClean="0"/>
+              <a:rPr lang="zh-CN" altLang="en-US"/>
               <a:t>第四级</a:t>
             </a:r>
           </a:p>
           <a:p>
             <a:pPr lvl="4"/>
             <a:r>
-              <a:rPr lang="zh-CN" altLang="en-US" smtClean="0"/>
+              <a:rPr lang="zh-CN" altLang="en-US"/>
               <a:t>第五级</a:t>
             </a:r>
-            <a:endParaRPr lang="zh-CN" altLang="en-US"/>
           </a:p>
         </p:txBody>
       </p:sp>
@@ -1657,7 +2100,7 @@
           <a:p>
             <a:pPr lvl="0"/>
             <a:r>
-              <a:rPr lang="zh-CN" altLang="en-US" smtClean="0"/>
+              <a:rPr lang="zh-CN" altLang="en-US"/>
               <a:t>单击此处编辑母版文本样式</a:t>
             </a:r>
           </a:p>
@@ -1713,38 +2156,37 @@
           <a:p>
             <a:pPr lvl="0"/>
             <a:r>
-              <a:rPr lang="zh-CN" altLang="en-US" smtClean="0"/>
+              <a:rPr lang="zh-CN" altLang="en-US"/>
               <a:t>单击此处编辑母版文本样式</a:t>
             </a:r>
           </a:p>
           <a:p>
             <a:pPr lvl="1"/>
             <a:r>
-              <a:rPr lang="zh-CN" altLang="en-US" smtClean="0"/>
+              <a:rPr lang="zh-CN" altLang="en-US"/>
               <a:t>第二级</a:t>
             </a:r>
           </a:p>
           <a:p>
             <a:pPr lvl="2"/>
             <a:r>
-              <a:rPr lang="zh-CN" altLang="en-US" smtClean="0"/>
+              <a:rPr lang="zh-CN" altLang="en-US"/>
               <a:t>第三级</a:t>
             </a:r>
           </a:p>
           <a:p>
             <a:pPr lvl="3"/>
             <a:r>
-              <a:rPr lang="zh-CN" altLang="en-US" smtClean="0"/>
+              <a:rPr lang="zh-CN" altLang="en-US"/>
               <a:t>第四级</a:t>
             </a:r>
           </a:p>
           <a:p>
             <a:pPr lvl="4"/>
             <a:r>
-              <a:rPr lang="zh-CN" altLang="en-US" smtClean="0"/>
+              <a:rPr lang="zh-CN" altLang="en-US"/>
               <a:t>第五级</a:t>
             </a:r>
-            <a:endParaRPr lang="zh-CN" altLang="en-US"/>
           </a:p>
         </p:txBody>
       </p:sp>
@@ -1766,7 +2208,7 @@
             <a:fld id="{530820CF-B880-4189-942D-D702A7CBA730}" type="datetimeFigureOut">
               <a:rPr lang="zh-CN" altLang="en-US" smtClean="0"/>
               <a:pPr/>
-              <a:t>2016/5/4</a:t>
+              <a:t>2021/5/31</a:t>
             </a:fld>
             <a:endParaRPr lang="zh-CN" altLang="en-US"/>
           </a:p>
@@ -1856,10 +2298,9 @@
           <a:lstStyle/>
           <a:p>
             <a:r>
-              <a:rPr lang="zh-CN" altLang="en-US" smtClean="0"/>
+              <a:rPr lang="zh-CN" altLang="en-US"/>
               <a:t>单击此处编辑母版标题样式</a:t>
             </a:r>
-            <a:endParaRPr lang="zh-CN" altLang="en-US"/>
           </a:p>
         </p:txBody>
       </p:sp>
@@ -1881,7 +2322,7 @@
             <a:fld id="{530820CF-B880-4189-942D-D702A7CBA730}" type="datetimeFigureOut">
               <a:rPr lang="zh-CN" altLang="en-US" smtClean="0"/>
               <a:pPr/>
-              <a:t>2016/5/4</a:t>
+              <a:t>2021/5/31</a:t>
             </a:fld>
             <a:endParaRPr lang="zh-CN" altLang="en-US"/>
           </a:p>
@@ -1973,7 +2414,7 @@
             <a:fld id="{530820CF-B880-4189-942D-D702A7CBA730}" type="datetimeFigureOut">
               <a:rPr lang="zh-CN" altLang="en-US" smtClean="0"/>
               <a:pPr/>
-              <a:t>2016/5/4</a:t>
+              <a:t>2021/5/31</a:t>
             </a:fld>
             <a:endParaRPr lang="zh-CN" altLang="en-US"/>
           </a:p>
@@ -2072,10 +2513,9 @@
           </a:lstStyle>
           <a:p>
             <a:r>
-              <a:rPr lang="zh-CN" altLang="en-US" smtClean="0"/>
+              <a:rPr lang="zh-CN" altLang="en-US"/>
               <a:t>单击此处编辑母版标题样式</a:t>
             </a:r>
-            <a:endParaRPr lang="zh-CN" altLang="en-US"/>
           </a:p>
         </p:txBody>
       </p:sp>
@@ -2129,38 +2569,37 @@
           <a:p>
             <a:pPr lvl="0"/>
             <a:r>
-              <a:rPr lang="zh-CN" altLang="en-US" smtClean="0"/>
+              <a:rPr lang="zh-CN" altLang="en-US"/>
               <a:t>单击此处编辑母版文本样式</a:t>
             </a:r>
           </a:p>
           <a:p>
             <a:pPr lvl="1"/>
             <a:r>
-              <a:rPr lang="zh-CN" altLang="en-US" smtClean="0"/>
+              <a:rPr lang="zh-CN" altLang="en-US"/>
               <a:t>第二级</a:t>
             </a:r>
           </a:p>
           <a:p>
             <a:pPr lvl="2"/>
             <a:r>
-              <a:rPr lang="zh-CN" altLang="en-US" smtClean="0"/>
+              <a:rPr lang="zh-CN" altLang="en-US"/>
               <a:t>第三级</a:t>
             </a:r>
           </a:p>
           <a:p>
             <a:pPr lvl="3"/>
             <a:r>
-              <a:rPr lang="zh-CN" altLang="en-US" smtClean="0"/>
+              <a:rPr lang="zh-CN" altLang="en-US"/>
               <a:t>第四级</a:t>
             </a:r>
           </a:p>
           <a:p>
             <a:pPr lvl="4"/>
             <a:r>
-              <a:rPr lang="zh-CN" altLang="en-US" smtClean="0"/>
+              <a:rPr lang="zh-CN" altLang="en-US"/>
               <a:t>第五级</a:t>
             </a:r>
-            <a:endParaRPr lang="zh-CN" altLang="en-US"/>
           </a:p>
         </p:txBody>
       </p:sp>
@@ -2223,7 +2662,7 @@
           <a:p>
             <a:pPr lvl="0"/>
             <a:r>
-              <a:rPr lang="zh-CN" altLang="en-US" smtClean="0"/>
+              <a:rPr lang="zh-CN" altLang="en-US"/>
               <a:t>单击此处编辑母版文本样式</a:t>
             </a:r>
           </a:p>
@@ -2247,7 +2686,7 @@
             <a:fld id="{530820CF-B880-4189-942D-D702A7CBA730}" type="datetimeFigureOut">
               <a:rPr lang="zh-CN" altLang="en-US" smtClean="0"/>
               <a:pPr/>
-              <a:t>2016/5/4</a:t>
+              <a:t>2021/5/31</a:t>
             </a:fld>
             <a:endParaRPr lang="zh-CN" altLang="en-US"/>
           </a:p>
@@ -2346,10 +2785,9 @@
           </a:lstStyle>
           <a:p>
             <a:r>
-              <a:rPr lang="zh-CN" altLang="en-US" smtClean="0"/>
+              <a:rPr lang="zh-CN" altLang="en-US"/>
               <a:t>单击此处编辑母版标题样式</a:t>
             </a:r>
-            <a:endParaRPr lang="zh-CN" altLang="en-US"/>
           </a:p>
         </p:txBody>
       </p:sp>
@@ -2473,7 +2911,7 @@
           <a:p>
             <a:pPr lvl="0"/>
             <a:r>
-              <a:rPr lang="zh-CN" altLang="en-US" smtClean="0"/>
+              <a:rPr lang="zh-CN" altLang="en-US"/>
               <a:t>单击此处编辑母版文本样式</a:t>
             </a:r>
           </a:p>
@@ -2497,7 +2935,7 @@
             <a:fld id="{530820CF-B880-4189-942D-D702A7CBA730}" type="datetimeFigureOut">
               <a:rPr lang="zh-CN" altLang="en-US" smtClean="0"/>
               <a:pPr/>
-              <a:t>2016/5/4</a:t>
+              <a:t>2021/5/31</a:t>
             </a:fld>
             <a:endParaRPr lang="zh-CN" altLang="en-US"/>
           </a:p>
@@ -2602,10 +3040,9 @@
           <a:lstStyle/>
           <a:p>
             <a:r>
-              <a:rPr lang="zh-CN" altLang="en-US" smtClean="0"/>
+              <a:rPr lang="zh-CN" altLang="en-US"/>
               <a:t>单击此处编辑母版标题样式</a:t>
             </a:r>
-            <a:endParaRPr lang="zh-CN" altLang="en-US"/>
           </a:p>
         </p:txBody>
       </p:sp>
@@ -2636,38 +3073,37 @@
           <a:p>
             <a:pPr lvl="0"/>
             <a:r>
-              <a:rPr lang="zh-CN" altLang="en-US" smtClean="0"/>
+              <a:rPr lang="zh-CN" altLang="en-US"/>
               <a:t>单击此处编辑母版文本样式</a:t>
             </a:r>
           </a:p>
           <a:p>
             <a:pPr lvl="1"/>
             <a:r>
-              <a:rPr lang="zh-CN" altLang="en-US" smtClean="0"/>
+              <a:rPr lang="zh-CN" altLang="en-US"/>
               <a:t>第二级</a:t>
             </a:r>
           </a:p>
           <a:p>
             <a:pPr lvl="2"/>
             <a:r>
-              <a:rPr lang="zh-CN" altLang="en-US" smtClean="0"/>
+              <a:rPr lang="zh-CN" altLang="en-US"/>
               <a:t>第三级</a:t>
             </a:r>
           </a:p>
           <a:p>
             <a:pPr lvl="3"/>
             <a:r>
-              <a:rPr lang="zh-CN" altLang="en-US" smtClean="0"/>
+              <a:rPr lang="zh-CN" altLang="en-US"/>
               <a:t>第四级</a:t>
             </a:r>
           </a:p>
           <a:p>
             <a:pPr lvl="4"/>
             <a:r>
-              <a:rPr lang="zh-CN" altLang="en-US" smtClean="0"/>
+              <a:rPr lang="zh-CN" altLang="en-US"/>
               <a:t>第五级</a:t>
             </a:r>
-            <a:endParaRPr lang="zh-CN" altLang="en-US"/>
           </a:p>
         </p:txBody>
       </p:sp>
@@ -2707,7 +3143,7 @@
             <a:fld id="{530820CF-B880-4189-942D-D702A7CBA730}" type="datetimeFigureOut">
               <a:rPr lang="zh-CN" altLang="en-US" smtClean="0"/>
               <a:pPr/>
-              <a:t>2016/5/4</a:t>
+              <a:t>2021/5/31</a:t>
             </a:fld>
             <a:endParaRPr lang="zh-CN" altLang="en-US"/>
           </a:p>
@@ -3094,9 +3530,28 @@
           <a:lstStyle/>
           <a:p>
             <a:r>
-              <a:rPr lang="zh-CN" altLang="en-US" dirty="0" smtClean="0"/>
+              <a:rPr lang="zh-CN" altLang="en-US" dirty="0"/>
               <a:t>编写网络嗅探器程序</a:t>
             </a:r>
+            <a:br>
+              <a:rPr lang="en-US" altLang="zh-CN" dirty="0"/>
+            </a:br>
+            <a:r>
+              <a:rPr lang="zh-CN" altLang="en-US" dirty="0"/>
+              <a:t>基于</a:t>
+            </a:r>
+            <a:r>
+              <a:rPr lang="en-US" altLang="zh-CN" dirty="0" err="1"/>
+              <a:t>libpcap</a:t>
+            </a:r>
+            <a:r>
+              <a:rPr lang="zh-CN" altLang="en-US" dirty="0"/>
+              <a:t>和</a:t>
+            </a:r>
+            <a:r>
+              <a:rPr lang="en-US" altLang="zh-CN" dirty="0" err="1"/>
+              <a:t>libnet</a:t>
+            </a:r>
             <a:endParaRPr lang="zh-CN" altLang="en-US" dirty="0"/>
           </a:p>
         </p:txBody>
@@ -3117,10 +3572,9 @@
           <a:lstStyle/>
           <a:p>
             <a:r>
-              <a:rPr lang="zh-CN" altLang="en-US" dirty="0" smtClean="0"/>
+              <a:rPr lang="zh-CN" altLang="en-US" dirty="0"/>
               <a:t>何旭</a:t>
             </a:r>
-            <a:endParaRPr lang="zh-CN" altLang="en-US" dirty="0"/>
           </a:p>
         </p:txBody>
       </p:sp>
@@ -3129,13 +3583,6 @@
   <p:clrMapOvr>
     <a:masterClrMapping/>
   </p:clrMapOvr>
-  <p:timing>
-    <p:tnLst>
-      <p:par>
-        <p:cTn id="1" dur="indefinite" restart="never" nodeType="tmRoot"/>
-      </p:par>
-    </p:tnLst>
-  </p:timing>
 </p:sld>
 </file>
 
@@ -3168,22 +3615,843 @@
         </p:nvSpPr>
         <p:spPr/>
         <p:txBody>
-          <a:bodyPr/>
-          <a:lstStyle/>
-          <a:p>
-            <a:r>
-              <a:rPr lang="zh-CN" altLang="en-US" dirty="0" smtClean="0"/>
+          <a:bodyPr>
+            <a:normAutofit/>
+          </a:bodyPr>
+          <a:lstStyle/>
+          <a:p>
+            <a:r>
+              <a:rPr lang="zh-CN" altLang="en-US" dirty="0"/>
+              <a:t>仅做网络分析的程序</a:t>
+            </a:r>
+          </a:p>
+        </p:txBody>
+      </p:sp>
+      <p:sp>
+        <p:nvSpPr>
+          <p:cNvPr id="3" name="内容占位符 2"/>
+          <p:cNvSpPr>
+            <a:spLocks noGrp="1"/>
+          </p:cNvSpPr>
+          <p:nvPr>
+            <p:ph idx="1"/>
+          </p:nvPr>
+        </p:nvSpPr>
+        <p:spPr/>
+        <p:txBody>
+          <a:bodyPr/>
+          <a:lstStyle/>
+          <a:p>
+            <a:pPr>
+              <a:buNone/>
+            </a:pPr>
+            <a:r>
+              <a:rPr lang="zh-CN" altLang="en-US" dirty="0"/>
+              <a:t>基本流程：</a:t>
+            </a:r>
+            <a:endParaRPr lang="en-US" dirty="0"/>
+          </a:p>
+          <a:p>
+            <a:pPr>
+              <a:buNone/>
+            </a:pPr>
+            <a:r>
+              <a:rPr lang="en-US" dirty="0"/>
+              <a:t>1</a:t>
+            </a:r>
+            <a:r>
+              <a:rPr lang="zh-CN" altLang="en-US" dirty="0"/>
+              <a:t>）打开设备（</a:t>
+            </a:r>
+            <a:r>
+              <a:rPr lang="en-US" dirty="0" err="1"/>
+              <a:t>pcap_open_live</a:t>
+            </a:r>
+            <a:r>
+              <a:rPr lang="zh-CN" altLang="en-US" dirty="0"/>
+              <a:t>）</a:t>
+            </a:r>
+          </a:p>
+          <a:p>
+            <a:pPr>
+              <a:buNone/>
+            </a:pPr>
+            <a:r>
+              <a:rPr lang="en-US" dirty="0"/>
+              <a:t>2</a:t>
+            </a:r>
+            <a:r>
+              <a:rPr lang="zh-CN" altLang="en-US" dirty="0"/>
+              <a:t>）设置过滤器（</a:t>
+            </a:r>
+            <a:r>
+              <a:rPr lang="en-US" dirty="0" err="1"/>
+              <a:t>pcap_compile</a:t>
+            </a:r>
+            <a:r>
+              <a:rPr lang="zh-CN" altLang="en-US" dirty="0"/>
+              <a:t>、</a:t>
+            </a:r>
+            <a:r>
+              <a:rPr lang="en-US" dirty="0" err="1"/>
+              <a:t>pcap_setfilter</a:t>
+            </a:r>
+            <a:r>
+              <a:rPr lang="zh-CN" altLang="en-US" dirty="0"/>
+              <a:t>）</a:t>
+            </a:r>
+          </a:p>
+          <a:p>
+            <a:pPr>
+              <a:buNone/>
+            </a:pPr>
+            <a:r>
+              <a:rPr lang="en-US" dirty="0"/>
+              <a:t>3</a:t>
+            </a:r>
+            <a:r>
+              <a:rPr lang="zh-CN" altLang="en-US" dirty="0"/>
+              <a:t>）</a:t>
+            </a:r>
+            <a:r>
+              <a:rPr lang="en-US" dirty="0"/>
+              <a:t>For</a:t>
+            </a:r>
+            <a:r>
+              <a:rPr lang="zh-CN" altLang="en-US" dirty="0"/>
+              <a:t>循环：</a:t>
+            </a:r>
+          </a:p>
+          <a:p>
+            <a:pPr>
+              <a:buNone/>
+            </a:pPr>
+            <a:r>
+              <a:rPr lang="en-US" dirty="0"/>
+              <a:t>	a</a:t>
+            </a:r>
+            <a:r>
+              <a:rPr lang="zh-CN" altLang="en-US" dirty="0"/>
+              <a:t>）抓取报文（</a:t>
+            </a:r>
+            <a:r>
+              <a:rPr lang="en-US" dirty="0" err="1"/>
+              <a:t>pcap_next</a:t>
+            </a:r>
+            <a:r>
+              <a:rPr lang="zh-CN" altLang="en-US" dirty="0"/>
+              <a:t>）</a:t>
+            </a:r>
+          </a:p>
+          <a:p>
+            <a:pPr>
+              <a:buNone/>
+            </a:pPr>
+            <a:r>
+              <a:rPr lang="en-US" dirty="0"/>
+              <a:t>	b</a:t>
+            </a:r>
+            <a:r>
+              <a:rPr lang="zh-CN" altLang="en-US" dirty="0"/>
+              <a:t>）</a:t>
+            </a:r>
+            <a:r>
+              <a:rPr lang="zh-CN" altLang="en-US" dirty="0">
+                <a:solidFill>
+                  <a:srgbClr val="FF0000"/>
+                </a:solidFill>
+              </a:rPr>
+              <a:t>报文解析</a:t>
+            </a:r>
+          </a:p>
+          <a:p>
+            <a:pPr>
+              <a:buNone/>
+            </a:pPr>
+            <a:r>
+              <a:rPr lang="en-US" dirty="0"/>
+              <a:t>4</a:t>
+            </a:r>
+            <a:r>
+              <a:rPr lang="zh-CN" altLang="en-US" dirty="0"/>
+              <a:t>）关闭设备（</a:t>
+            </a:r>
+            <a:r>
+              <a:rPr lang="en-US" dirty="0" err="1"/>
+              <a:t>pcap_close</a:t>
+            </a:r>
+            <a:r>
+              <a:rPr lang="zh-CN" altLang="en-US" dirty="0"/>
+              <a:t>）</a:t>
+            </a:r>
+          </a:p>
+        </p:txBody>
+      </p:sp>
+    </p:spTree>
+  </p:cSld>
+  <p:clrMapOvr>
+    <a:masterClrMapping/>
+  </p:clrMapOvr>
+</p:sld>
+</file>
+
+<file path=ppt/slides/slide11.xml><?xml version="1.0" encoding="utf-8"?>
+<p:sld xmlns:a="http://schemas.openxmlformats.org/drawingml/2006/main" xmlns:r="http://schemas.openxmlformats.org/officeDocument/2006/relationships" xmlns:p="http://schemas.openxmlformats.org/presentationml/2006/main">
+  <p:cSld>
+    <p:spTree>
+      <p:nvGrpSpPr>
+        <p:cNvPr id="1" name=""/>
+        <p:cNvGrpSpPr/>
+        <p:nvPr/>
+      </p:nvGrpSpPr>
+      <p:grpSpPr>
+        <a:xfrm>
+          <a:off x="0" y="0"/>
+          <a:ext cx="0" cy="0"/>
+          <a:chOff x="0" y="0"/>
+          <a:chExt cx="0" cy="0"/>
+        </a:xfrm>
+      </p:grpSpPr>
+      <p:sp>
+        <p:nvSpPr>
+          <p:cNvPr id="2" name="标题 1"/>
+          <p:cNvSpPr>
+            <a:spLocks noGrp="1"/>
+          </p:cNvSpPr>
+          <p:nvPr>
+            <p:ph type="title"/>
+          </p:nvPr>
+        </p:nvSpPr>
+        <p:spPr/>
+        <p:txBody>
+          <a:bodyPr/>
+          <a:lstStyle/>
+          <a:p>
+            <a:r>
+              <a:rPr lang="zh-CN" altLang="en-US" dirty="0"/>
+              <a:t>发送干预报文的程序</a:t>
+            </a:r>
+          </a:p>
+        </p:txBody>
+      </p:sp>
+      <p:sp>
+        <p:nvSpPr>
+          <p:cNvPr id="3" name="内容占位符 2"/>
+          <p:cNvSpPr>
+            <a:spLocks noGrp="1"/>
+          </p:cNvSpPr>
+          <p:nvPr>
+            <p:ph idx="1"/>
+          </p:nvPr>
+        </p:nvSpPr>
+        <p:spPr>
+          <a:xfrm>
+            <a:off x="285720" y="1600200"/>
+            <a:ext cx="8643998" cy="4829196"/>
+          </a:xfrm>
+        </p:spPr>
+        <p:txBody>
+          <a:bodyPr>
+            <a:normAutofit fontScale="85000" lnSpcReduction="10000"/>
+          </a:bodyPr>
+          <a:lstStyle/>
+          <a:p>
+            <a:pPr>
+              <a:buNone/>
+            </a:pPr>
+            <a:r>
+              <a:rPr lang="zh-CN" altLang="en-US" dirty="0"/>
+              <a:t>基本流程：</a:t>
+            </a:r>
+            <a:endParaRPr lang="en-US" dirty="0"/>
+          </a:p>
+          <a:p>
+            <a:pPr>
+              <a:buNone/>
+            </a:pPr>
+            <a:r>
+              <a:rPr lang="en-US" dirty="0"/>
+              <a:t>1</a:t>
+            </a:r>
+            <a:r>
+              <a:rPr lang="zh-CN" altLang="en-US" dirty="0"/>
+              <a:t>）打开设备（</a:t>
+            </a:r>
+            <a:r>
+              <a:rPr lang="en-US" dirty="0" err="1"/>
+              <a:t>pcap_open_live</a:t>
+            </a:r>
+            <a:r>
+              <a:rPr lang="en-US" dirty="0"/>
+              <a:t>, </a:t>
+            </a:r>
+            <a:r>
+              <a:rPr lang="en-US" dirty="0" err="1"/>
+              <a:t>libnet_init</a:t>
+            </a:r>
+            <a:r>
+              <a:rPr lang="zh-CN" altLang="en-US" dirty="0"/>
+              <a:t>）</a:t>
+            </a:r>
+          </a:p>
+          <a:p>
+            <a:pPr>
+              <a:buNone/>
+            </a:pPr>
+            <a:r>
+              <a:rPr lang="en-US" dirty="0"/>
+              <a:t>2</a:t>
+            </a:r>
+            <a:r>
+              <a:rPr lang="zh-CN" altLang="en-US" dirty="0"/>
+              <a:t>）设置过滤器（</a:t>
+            </a:r>
+            <a:r>
+              <a:rPr lang="en-US" dirty="0" err="1"/>
+              <a:t>pcap_compile</a:t>
+            </a:r>
+            <a:r>
+              <a:rPr lang="zh-CN" altLang="en-US" dirty="0"/>
+              <a:t>、</a:t>
+            </a:r>
+            <a:r>
+              <a:rPr lang="en-US" dirty="0" err="1"/>
+              <a:t>pcap_setfilter</a:t>
+            </a:r>
+            <a:r>
+              <a:rPr lang="zh-CN" altLang="en-US" dirty="0"/>
+              <a:t>）</a:t>
+            </a:r>
+          </a:p>
+          <a:p>
+            <a:pPr>
+              <a:buNone/>
+            </a:pPr>
+            <a:r>
+              <a:rPr lang="en-US" dirty="0"/>
+              <a:t>3</a:t>
+            </a:r>
+            <a:r>
+              <a:rPr lang="zh-CN" altLang="en-US" dirty="0"/>
+              <a:t>）</a:t>
+            </a:r>
+            <a:r>
+              <a:rPr lang="en-US" dirty="0"/>
+              <a:t>For</a:t>
+            </a:r>
+            <a:r>
+              <a:rPr lang="zh-CN" altLang="en-US" dirty="0"/>
+              <a:t>循环：</a:t>
+            </a:r>
+          </a:p>
+          <a:p>
+            <a:pPr>
+              <a:buNone/>
+            </a:pPr>
+            <a:r>
+              <a:rPr lang="en-US" dirty="0"/>
+              <a:t>	a</a:t>
+            </a:r>
+            <a:r>
+              <a:rPr lang="zh-CN" altLang="en-US" dirty="0"/>
+              <a:t>）抓取报文（</a:t>
+            </a:r>
+            <a:r>
+              <a:rPr lang="en-US" dirty="0" err="1"/>
+              <a:t>pcap_next</a:t>
+            </a:r>
+            <a:r>
+              <a:rPr lang="zh-CN" altLang="en-US" dirty="0"/>
+              <a:t>）</a:t>
+            </a:r>
+          </a:p>
+          <a:p>
+            <a:pPr>
+              <a:buNone/>
+            </a:pPr>
+            <a:r>
+              <a:rPr lang="en-US" dirty="0"/>
+              <a:t>	b</a:t>
+            </a:r>
+            <a:r>
+              <a:rPr lang="zh-CN" altLang="en-US" dirty="0"/>
+              <a:t>）</a:t>
+            </a:r>
+            <a:r>
+              <a:rPr lang="zh-CN" altLang="en-US" dirty="0">
+                <a:solidFill>
+                  <a:srgbClr val="FF0000"/>
+                </a:solidFill>
+              </a:rPr>
+              <a:t>报文解析</a:t>
+            </a:r>
+          </a:p>
+          <a:p>
+            <a:pPr>
+              <a:buNone/>
+            </a:pPr>
+            <a:r>
+              <a:rPr lang="en-US" dirty="0"/>
+              <a:t>	c</a:t>
+            </a:r>
+            <a:r>
+              <a:rPr lang="zh-CN" altLang="en-US" dirty="0"/>
+              <a:t>）</a:t>
+            </a:r>
+            <a:r>
+              <a:rPr lang="zh-CN" altLang="en-US" dirty="0">
+                <a:solidFill>
+                  <a:srgbClr val="FF0000"/>
+                </a:solidFill>
+              </a:rPr>
+              <a:t>内容匹配</a:t>
+            </a:r>
+          </a:p>
+          <a:p>
+            <a:pPr>
+              <a:buNone/>
+            </a:pPr>
+            <a:r>
+              <a:rPr lang="en-US" dirty="0"/>
+              <a:t>	d</a:t>
+            </a:r>
+            <a:r>
+              <a:rPr lang="zh-CN" altLang="en-US" dirty="0"/>
+              <a:t>）</a:t>
+            </a:r>
+            <a:r>
+              <a:rPr lang="zh-CN" altLang="en-US" dirty="0">
+                <a:solidFill>
+                  <a:srgbClr val="FF0000"/>
+                </a:solidFill>
+              </a:rPr>
+              <a:t>伪造响应报文</a:t>
+            </a:r>
+            <a:r>
+              <a:rPr lang="zh-CN" altLang="en-US" dirty="0"/>
+              <a:t>（</a:t>
+            </a:r>
+            <a:r>
+              <a:rPr lang="en-US" dirty="0" err="1"/>
+              <a:t>libnet_build_xxx</a:t>
+            </a:r>
+            <a:r>
+              <a:rPr lang="zh-CN" altLang="en-US" dirty="0"/>
+              <a:t>）</a:t>
+            </a:r>
+          </a:p>
+          <a:p>
+            <a:pPr>
+              <a:buNone/>
+            </a:pPr>
+            <a:r>
+              <a:rPr lang="en-US" dirty="0"/>
+              <a:t>	e</a:t>
+            </a:r>
+            <a:r>
+              <a:rPr lang="zh-CN" altLang="en-US" dirty="0"/>
+              <a:t>）发送响应报文（</a:t>
+            </a:r>
+            <a:r>
+              <a:rPr lang="en-US" dirty="0" err="1"/>
+              <a:t>libnet_write</a:t>
+            </a:r>
+            <a:r>
+              <a:rPr lang="zh-CN" altLang="en-US" dirty="0"/>
+              <a:t>、</a:t>
+            </a:r>
+            <a:r>
+              <a:rPr lang="en-US" dirty="0" err="1"/>
+              <a:t>libnet_clear_packet</a:t>
+            </a:r>
+            <a:r>
+              <a:rPr lang="zh-CN" altLang="en-US" dirty="0"/>
+              <a:t>）</a:t>
+            </a:r>
+          </a:p>
+          <a:p>
+            <a:pPr>
+              <a:buNone/>
+            </a:pPr>
+            <a:r>
+              <a:rPr lang="en-US" dirty="0"/>
+              <a:t>4</a:t>
+            </a:r>
+            <a:r>
+              <a:rPr lang="zh-CN" altLang="en-US" dirty="0"/>
+              <a:t>）关闭设备（</a:t>
+            </a:r>
+            <a:r>
+              <a:rPr lang="en-US" dirty="0" err="1"/>
+              <a:t>pcap_close</a:t>
+            </a:r>
+            <a:r>
+              <a:rPr lang="zh-CN" altLang="en-US" dirty="0"/>
+              <a:t>、</a:t>
+            </a:r>
+            <a:r>
+              <a:rPr lang="en-US" dirty="0" err="1"/>
+              <a:t>libnet_destroy</a:t>
+            </a:r>
+            <a:r>
+              <a:rPr lang="zh-CN" altLang="en-US" dirty="0"/>
+              <a:t>）</a:t>
+            </a:r>
+          </a:p>
+        </p:txBody>
+      </p:sp>
+    </p:spTree>
+  </p:cSld>
+  <p:clrMapOvr>
+    <a:masterClrMapping/>
+  </p:clrMapOvr>
+</p:sld>
+</file>
+
+<file path=ppt/slides/slide12.xml><?xml version="1.0" encoding="utf-8"?>
+<p:sld xmlns:a="http://schemas.openxmlformats.org/drawingml/2006/main" xmlns:r="http://schemas.openxmlformats.org/officeDocument/2006/relationships" xmlns:p="http://schemas.openxmlformats.org/presentationml/2006/main">
+  <p:cSld>
+    <p:spTree>
+      <p:nvGrpSpPr>
+        <p:cNvPr id="1" name=""/>
+        <p:cNvGrpSpPr/>
+        <p:nvPr/>
+      </p:nvGrpSpPr>
+      <p:grpSpPr>
+        <a:xfrm>
+          <a:off x="0" y="0"/>
+          <a:ext cx="0" cy="0"/>
+          <a:chOff x="0" y="0"/>
+          <a:chExt cx="0" cy="0"/>
+        </a:xfrm>
+      </p:grpSpPr>
+      <p:sp>
+        <p:nvSpPr>
+          <p:cNvPr id="2" name="标题 1"/>
+          <p:cNvSpPr>
+            <a:spLocks noGrp="1"/>
+          </p:cNvSpPr>
+          <p:nvPr>
+            <p:ph type="title"/>
+          </p:nvPr>
+        </p:nvSpPr>
+        <p:spPr/>
+        <p:txBody>
+          <a:bodyPr/>
+          <a:lstStyle/>
+          <a:p>
+            <a:r>
+              <a:rPr lang="zh-CN" altLang="en-US" dirty="0"/>
+              <a:t>举个例子</a:t>
+            </a:r>
+          </a:p>
+        </p:txBody>
+      </p:sp>
+      <p:sp>
+        <p:nvSpPr>
+          <p:cNvPr id="3" name="内容占位符 2"/>
+          <p:cNvSpPr>
+            <a:spLocks noGrp="1"/>
+          </p:cNvSpPr>
+          <p:nvPr>
+            <p:ph idx="1"/>
+          </p:nvPr>
+        </p:nvSpPr>
+        <p:spPr/>
+        <p:txBody>
+          <a:bodyPr/>
+          <a:lstStyle/>
+          <a:p>
+            <a:r>
+              <a:rPr lang="zh-CN" altLang="en-US" dirty="0"/>
+              <a:t>实现一个可以伪造</a:t>
+            </a:r>
+            <a:r>
+              <a:rPr lang="en-US" altLang="zh-CN" dirty="0"/>
+              <a:t>HTTP</a:t>
+            </a:r>
+            <a:r>
+              <a:rPr lang="zh-CN" altLang="en-US" dirty="0"/>
+              <a:t>响应报文的嗅探器程序。</a:t>
+            </a:r>
+            <a:endParaRPr lang="en-US" altLang="zh-CN" dirty="0"/>
+          </a:p>
+          <a:p>
+            <a:r>
+              <a:rPr lang="zh-CN" altLang="en-US" dirty="0"/>
+              <a:t>前置条件</a:t>
+            </a:r>
+            <a:r>
+              <a:rPr lang="en-US" altLang="zh-CN" dirty="0"/>
+              <a:t>1</a:t>
+            </a:r>
+            <a:r>
+              <a:rPr lang="zh-CN" altLang="en-US" dirty="0"/>
+              <a:t>：在被攻击人的计算机和互联网之间某个网络环节，可以抓起到被攻击人的计算机的网络流量。</a:t>
+            </a:r>
+            <a:endParaRPr lang="en-US" altLang="zh-CN" dirty="0"/>
+          </a:p>
+          <a:p>
+            <a:r>
+              <a:rPr lang="zh-CN" altLang="en-US" dirty="0"/>
+              <a:t>前置条件</a:t>
+            </a:r>
+            <a:r>
+              <a:rPr lang="en-US" altLang="zh-CN" dirty="0"/>
+              <a:t>2</a:t>
+            </a:r>
+            <a:r>
+              <a:rPr lang="zh-CN" altLang="en-US" dirty="0"/>
+              <a:t>：有攻击线路可以将伪造报文通过网络发送到被攻击人的计算机的网络接口。</a:t>
+            </a:r>
+          </a:p>
+        </p:txBody>
+      </p:sp>
+    </p:spTree>
+  </p:cSld>
+  <p:clrMapOvr>
+    <a:masterClrMapping/>
+  </p:clrMapOvr>
+</p:sld>
+</file>
+
+<file path=ppt/slides/slide13.xml><?xml version="1.0" encoding="utf-8"?>
+<p:sld xmlns:a="http://schemas.openxmlformats.org/drawingml/2006/main" xmlns:r="http://schemas.openxmlformats.org/officeDocument/2006/relationships" xmlns:p="http://schemas.openxmlformats.org/presentationml/2006/main">
+  <p:cSld>
+    <p:spTree>
+      <p:nvGrpSpPr>
+        <p:cNvPr id="1" name=""/>
+        <p:cNvGrpSpPr/>
+        <p:nvPr/>
+      </p:nvGrpSpPr>
+      <p:grpSpPr>
+        <a:xfrm>
+          <a:off x="0" y="0"/>
+          <a:ext cx="0" cy="0"/>
+          <a:chOff x="0" y="0"/>
+          <a:chExt cx="0" cy="0"/>
+        </a:xfrm>
+      </p:grpSpPr>
+      <p:sp>
+        <p:nvSpPr>
+          <p:cNvPr id="2" name="标题 1"/>
+          <p:cNvSpPr>
+            <a:spLocks noGrp="1"/>
+          </p:cNvSpPr>
+          <p:nvPr>
+            <p:ph type="title"/>
+          </p:nvPr>
+        </p:nvSpPr>
+        <p:spPr/>
+        <p:txBody>
+          <a:bodyPr/>
+          <a:lstStyle/>
+          <a:p>
+            <a:r>
+              <a:rPr lang="zh-CN" altLang="en-US" dirty="0"/>
+              <a:t>从应用层协议角度看</a:t>
+            </a:r>
+            <a:r>
+              <a:rPr lang="en-US" altLang="zh-CN" dirty="0"/>
+              <a:t>HTTP</a:t>
+            </a:r>
+            <a:r>
+              <a:rPr lang="zh-CN" altLang="en-US" dirty="0"/>
+              <a:t>交互</a:t>
+            </a:r>
+          </a:p>
+        </p:txBody>
+      </p:sp>
+      <p:pic>
+        <p:nvPicPr>
+          <p:cNvPr id="4" name="内容占位符 3"/>
+          <p:cNvPicPr>
+            <a:picLocks noGrp="1"/>
+          </p:cNvPicPr>
+          <p:nvPr>
+            <p:ph idx="1"/>
+          </p:nvPr>
+        </p:nvPicPr>
+        <p:blipFill>
+          <a:blip r:embed="rId2"/>
+          <a:stretch>
+            <a:fillRect/>
+          </a:stretch>
+        </p:blipFill>
+        <p:spPr>
+          <a:xfrm>
+            <a:off x="467544" y="1628800"/>
+            <a:ext cx="8208912" cy="4752528"/>
+          </a:xfrm>
+          <a:prstGeom prst="rect">
+            <a:avLst/>
+          </a:prstGeom>
+        </p:spPr>
+      </p:pic>
+    </p:spTree>
+    <p:extLst>
+      <p:ext uri="{BB962C8B-B14F-4D97-AF65-F5344CB8AC3E}">
+        <p14:creationId xmlns:p14="http://schemas.microsoft.com/office/powerpoint/2010/main" val="2184553173"/>
+      </p:ext>
+    </p:extLst>
+  </p:cSld>
+  <p:clrMapOvr>
+    <a:masterClrMapping/>
+  </p:clrMapOvr>
+</p:sld>
+</file>
+
+<file path=ppt/slides/slide14.xml><?xml version="1.0" encoding="utf-8"?>
+<p:sld xmlns:a="http://schemas.openxmlformats.org/drawingml/2006/main" xmlns:r="http://schemas.openxmlformats.org/officeDocument/2006/relationships" xmlns:p="http://schemas.openxmlformats.org/presentationml/2006/main">
+  <p:cSld>
+    <p:spTree>
+      <p:nvGrpSpPr>
+        <p:cNvPr id="1" name=""/>
+        <p:cNvGrpSpPr/>
+        <p:nvPr/>
+      </p:nvGrpSpPr>
+      <p:grpSpPr>
+        <a:xfrm>
+          <a:off x="0" y="0"/>
+          <a:ext cx="0" cy="0"/>
+          <a:chOff x="0" y="0"/>
+          <a:chExt cx="0" cy="0"/>
+        </a:xfrm>
+      </p:grpSpPr>
+      <p:sp>
+        <p:nvSpPr>
+          <p:cNvPr id="2" name="标题 1"/>
+          <p:cNvSpPr>
+            <a:spLocks noGrp="1"/>
+          </p:cNvSpPr>
+          <p:nvPr>
+            <p:ph type="title"/>
+          </p:nvPr>
+        </p:nvSpPr>
+        <p:spPr/>
+        <p:txBody>
+          <a:bodyPr>
+            <a:normAutofit fontScale="90000"/>
+          </a:bodyPr>
+          <a:lstStyle/>
+          <a:p>
+            <a:r>
+              <a:rPr lang="zh-CN" altLang="en-US" dirty="0"/>
+              <a:t>从传输层（</a:t>
+            </a:r>
+            <a:r>
+              <a:rPr lang="en-US" altLang="zh-CN" dirty="0"/>
+              <a:t>TCP</a:t>
+            </a:r>
+            <a:r>
+              <a:rPr lang="zh-CN" altLang="en-US" dirty="0"/>
+              <a:t>）角度看</a:t>
+            </a:r>
+            <a:r>
+              <a:rPr lang="en-US" altLang="zh-CN" dirty="0"/>
+              <a:t>HTTP</a:t>
+            </a:r>
+            <a:r>
+              <a:rPr lang="zh-CN" altLang="en-US" dirty="0"/>
+              <a:t>交互</a:t>
+            </a:r>
+          </a:p>
+        </p:txBody>
+      </p:sp>
+      <p:pic>
+        <p:nvPicPr>
+          <p:cNvPr id="4" name="内容占位符 3" descr="C:\Users\Administrator\AppData\Roaming\Tencent\Users\783997762\QQ\WinTemp\RichOle\4EJ}SVWO(RQH%P_H3O]D5MN.png"/>
+          <p:cNvPicPr>
+            <a:picLocks noGrp="1"/>
+          </p:cNvPicPr>
+          <p:nvPr>
+            <p:ph idx="1"/>
+          </p:nvPr>
+        </p:nvPicPr>
+        <p:blipFill>
+          <a:blip r:embed="rId2">
+            <a:extLst>
+              <a:ext uri="{28A0092B-C50C-407E-A947-70E740481C1C}">
+                <a14:useLocalDpi xmlns:a14="http://schemas.microsoft.com/office/drawing/2010/main" val="0"/>
+              </a:ext>
+            </a:extLst>
+          </a:blip>
+          <a:srcRect/>
+          <a:stretch>
+            <a:fillRect/>
+          </a:stretch>
+        </p:blipFill>
+        <p:spPr bwMode="auto">
+          <a:xfrm>
+            <a:off x="611560" y="1196752"/>
+            <a:ext cx="7920880" cy="5328592"/>
+          </a:xfrm>
+          <a:prstGeom prst="rect">
+            <a:avLst/>
+          </a:prstGeom>
+          <a:noFill/>
+          <a:ln>
+            <a:noFill/>
+          </a:ln>
+        </p:spPr>
+      </p:pic>
+    </p:spTree>
+    <p:extLst>
+      <p:ext uri="{BB962C8B-B14F-4D97-AF65-F5344CB8AC3E}">
+        <p14:creationId xmlns:p14="http://schemas.microsoft.com/office/powerpoint/2010/main" val="1107217514"/>
+      </p:ext>
+    </p:extLst>
+  </p:cSld>
+  <p:clrMapOvr>
+    <a:masterClrMapping/>
+  </p:clrMapOvr>
+</p:sld>
+</file>
+
+<file path=ppt/slides/slide15.xml><?xml version="1.0" encoding="utf-8"?>
+<p:sld xmlns:a="http://schemas.openxmlformats.org/drawingml/2006/main" xmlns:r="http://schemas.openxmlformats.org/officeDocument/2006/relationships" xmlns:p="http://schemas.openxmlformats.org/presentationml/2006/main">
+  <p:cSld>
+    <p:spTree>
+      <p:nvGrpSpPr>
+        <p:cNvPr id="1" name=""/>
+        <p:cNvGrpSpPr/>
+        <p:nvPr/>
+      </p:nvGrpSpPr>
+      <p:grpSpPr>
+        <a:xfrm>
+          <a:off x="0" y="0"/>
+          <a:ext cx="0" cy="0"/>
+          <a:chOff x="0" y="0"/>
+          <a:chExt cx="0" cy="0"/>
+        </a:xfrm>
+      </p:grpSpPr>
+      <p:sp>
+        <p:nvSpPr>
+          <p:cNvPr id="2" name="标题 1"/>
+          <p:cNvSpPr>
+            <a:spLocks noGrp="1"/>
+          </p:cNvSpPr>
+          <p:nvPr>
+            <p:ph type="title"/>
+          </p:nvPr>
+        </p:nvSpPr>
+        <p:spPr/>
+        <p:txBody>
+          <a:bodyPr/>
+          <a:lstStyle/>
+          <a:p>
+            <a:r>
+              <a:rPr lang="zh-CN" altLang="en-US" dirty="0"/>
               <a:t>嗅探器角度下的</a:t>
             </a:r>
             <a:r>
-              <a:rPr lang="en-US" altLang="zh-CN" dirty="0" smtClean="0"/>
+              <a:rPr lang="en-US" altLang="zh-CN" dirty="0"/>
               <a:t>HTTP</a:t>
             </a:r>
             <a:r>
-              <a:rPr lang="zh-CN" altLang="en-US" dirty="0" smtClean="0"/>
+              <a:rPr lang="zh-CN" altLang="en-US" dirty="0"/>
               <a:t>交互</a:t>
             </a:r>
-            <a:endParaRPr lang="zh-CN" altLang="en-US" dirty="0"/>
           </a:p>
         </p:txBody>
       </p:sp>
@@ -3223,17 +4491,10 @@
   <p:clrMapOvr>
     <a:masterClrMapping/>
   </p:clrMapOvr>
-  <p:timing>
-    <p:tnLst>
-      <p:par>
-        <p:cTn id="1" dur="indefinite" restart="never" nodeType="tmRoot"/>
-      </p:par>
-    </p:tnLst>
-  </p:timing>
 </p:sld>
 </file>
 
-<file path=ppt/slides/slide11.xml><?xml version="1.0" encoding="utf-8"?>
+<file path=ppt/slides/slide16.xml><?xml version="1.0" encoding="utf-8"?>
 <p:sld xmlns:a="http://schemas.openxmlformats.org/drawingml/2006/main" xmlns:r="http://schemas.openxmlformats.org/officeDocument/2006/relationships" xmlns:p="http://schemas.openxmlformats.org/presentationml/2006/main">
   <p:cSld>
     <p:spTree>
@@ -3292,14 +4553,13 @@
           <a:lstStyle/>
           <a:p>
             <a:r>
-              <a:rPr lang="en-US" altLang="zh-CN" dirty="0" smtClean="0"/>
+              <a:rPr lang="en-US" altLang="zh-CN" dirty="0"/>
               <a:t>HTTP</a:t>
             </a:r>
             <a:r>
-              <a:rPr lang="zh-CN" altLang="en-US" dirty="0" smtClean="0"/>
+              <a:rPr lang="zh-CN" altLang="en-US" dirty="0"/>
               <a:t>请求报文格式</a:t>
             </a:r>
-            <a:endParaRPr lang="zh-CN" altLang="en-US" dirty="0"/>
           </a:p>
         </p:txBody>
       </p:sp>
@@ -3313,17 +4573,10 @@
   <p:clrMapOvr>
     <a:masterClrMapping/>
   </p:clrMapOvr>
-  <p:timing>
-    <p:tnLst>
-      <p:par>
-        <p:cTn id="1" dur="indefinite" restart="never" nodeType="tmRoot"/>
-      </p:par>
-    </p:tnLst>
-  </p:timing>
 </p:sld>
 </file>
 
-<file path=ppt/slides/slide12.xml><?xml version="1.0" encoding="utf-8"?>
+<file path=ppt/slides/slide17.xml><?xml version="1.0" encoding="utf-8"?>
 <p:sld xmlns:a="http://schemas.openxmlformats.org/drawingml/2006/main" xmlns:r="http://schemas.openxmlformats.org/officeDocument/2006/relationships" xmlns:p="http://schemas.openxmlformats.org/presentationml/2006/main">
   <p:cSld>
     <p:spTree>
@@ -3356,18 +4609,17 @@
           <a:lstStyle/>
           <a:p>
             <a:r>
-              <a:rPr lang="zh-CN" altLang="en-US" dirty="0" smtClean="0"/>
+              <a:rPr lang="zh-CN" altLang="en-US" dirty="0"/>
               <a:t>如何过滤指定网站的</a:t>
             </a:r>
             <a:r>
-              <a:rPr lang="en-US" altLang="zh-CN" dirty="0" smtClean="0"/>
+              <a:rPr lang="en-US" altLang="zh-CN" dirty="0"/>
               <a:t>HTTP</a:t>
             </a:r>
             <a:r>
-              <a:rPr lang="zh-CN" altLang="en-US" dirty="0" smtClean="0"/>
+              <a:rPr lang="zh-CN" altLang="en-US" dirty="0"/>
               <a:t>请求</a:t>
             </a:r>
-            <a:endParaRPr lang="zh-CN" altLang="en-US" dirty="0"/>
           </a:p>
         </p:txBody>
       </p:sp>
@@ -3466,23 +4718,23 @@
           </a:p>
           <a:p>
             <a:r>
-              <a:rPr lang="zh-CN" altLang="en-US" dirty="0" smtClean="0"/>
+              <a:rPr lang="zh-CN" altLang="en-US" dirty="0"/>
               <a:t>根据</a:t>
             </a:r>
             <a:r>
-              <a:rPr lang="en-US" altLang="zh-CN" dirty="0" smtClean="0"/>
+              <a:rPr lang="en-US" altLang="zh-CN" dirty="0"/>
               <a:t>Host</a:t>
             </a:r>
             <a:r>
-              <a:rPr lang="zh-CN" altLang="en-US" dirty="0" smtClean="0"/>
+              <a:rPr lang="zh-CN" altLang="en-US" dirty="0"/>
               <a:t>域可以过滤出指定网站的</a:t>
             </a:r>
             <a:r>
-              <a:rPr lang="en-US" altLang="zh-CN" dirty="0" smtClean="0"/>
+              <a:rPr lang="en-US" altLang="zh-CN" dirty="0"/>
               <a:t>HTTP</a:t>
             </a:r>
             <a:r>
-              <a:rPr lang="zh-CN" altLang="en-US" dirty="0" smtClean="0"/>
+              <a:rPr lang="zh-CN" altLang="en-US" dirty="0"/>
               <a:t>请求。</a:t>
             </a:r>
             <a:endParaRPr lang="en-US" altLang="zh-CN" dirty="0"/>
@@ -3491,7 +4743,7 @@
             <a:pPr marL="0" indent="0">
               <a:buNone/>
             </a:pPr>
-            <a:endParaRPr lang="en-US" altLang="zh-CN" dirty="0" smtClean="0"/>
+            <a:endParaRPr lang="en-US" altLang="zh-CN" dirty="0"/>
           </a:p>
         </p:txBody>
       </p:sp>
@@ -3505,17 +4757,10 @@
   <p:clrMapOvr>
     <a:masterClrMapping/>
   </p:clrMapOvr>
-  <p:timing>
-    <p:tnLst>
-      <p:par>
-        <p:cTn id="1" dur="indefinite" restart="never" nodeType="tmRoot"/>
-      </p:par>
-    </p:tnLst>
-  </p:timing>
 </p:sld>
 </file>
 
-<file path=ppt/slides/slide13.xml><?xml version="1.0" encoding="utf-8"?>
+<file path=ppt/slides/slide18.xml><?xml version="1.0" encoding="utf-8"?>
 <p:sld xmlns:a="http://schemas.openxmlformats.org/drawingml/2006/main" xmlns:r="http://schemas.openxmlformats.org/officeDocument/2006/relationships" xmlns:p="http://schemas.openxmlformats.org/presentationml/2006/main">
   <p:cSld>
     <p:spTree>
@@ -3548,14 +4793,13 @@
           <a:lstStyle/>
           <a:p>
             <a:r>
-              <a:rPr lang="en-US" altLang="zh-CN" dirty="0" smtClean="0"/>
+              <a:rPr lang="en-US" altLang="zh-CN" dirty="0"/>
               <a:t>HTTP</a:t>
             </a:r>
             <a:r>
-              <a:rPr lang="zh-CN" altLang="en-US" dirty="0" smtClean="0"/>
+              <a:rPr lang="zh-CN" altLang="en-US" dirty="0"/>
               <a:t>响应报文格式</a:t>
             </a:r>
-            <a:endParaRPr lang="zh-CN" altLang="en-US" dirty="0"/>
           </a:p>
         </p:txBody>
       </p:sp>
@@ -3595,17 +4839,10 @@
   <p:clrMapOvr>
     <a:masterClrMapping/>
   </p:clrMapOvr>
-  <p:timing>
-    <p:tnLst>
-      <p:par>
-        <p:cTn id="1" dur="indefinite" restart="never" nodeType="tmRoot"/>
-      </p:par>
-    </p:tnLst>
-  </p:timing>
 </p:sld>
 </file>
 
-<file path=ppt/slides/slide14.xml><?xml version="1.0" encoding="utf-8"?>
+<file path=ppt/slides/slide19.xml><?xml version="1.0" encoding="utf-8"?>
 <p:sld xmlns:a="http://schemas.openxmlformats.org/drawingml/2006/main" xmlns:r="http://schemas.openxmlformats.org/officeDocument/2006/relationships" xmlns:p="http://schemas.openxmlformats.org/presentationml/2006/main">
   <p:cSld>
     <p:spTree>
@@ -3638,18 +4875,17 @@
           <a:lstStyle/>
           <a:p>
             <a:r>
-              <a:rPr lang="zh-CN" altLang="en-US" dirty="0" smtClean="0"/>
+              <a:rPr lang="zh-CN" altLang="en-US" dirty="0"/>
               <a:t>伪造</a:t>
             </a:r>
             <a:r>
-              <a:rPr lang="en-US" altLang="zh-CN" dirty="0" smtClean="0"/>
+              <a:rPr lang="en-US" altLang="zh-CN" dirty="0"/>
               <a:t>HTTP</a:t>
             </a:r>
             <a:r>
-              <a:rPr lang="zh-CN" altLang="en-US" dirty="0" smtClean="0"/>
+              <a:rPr lang="zh-CN" altLang="en-US" dirty="0"/>
               <a:t>响应报文</a:t>
             </a:r>
-            <a:endParaRPr lang="zh-CN" altLang="en-US" dirty="0"/>
           </a:p>
         </p:txBody>
       </p:sp>
@@ -3671,30 +4907,26 @@
           <a:lstStyle/>
           <a:p>
             <a:r>
-              <a:rPr lang="zh-CN" altLang="en-US" dirty="0" smtClean="0"/>
+              <a:rPr lang="zh-CN" altLang="en-US" dirty="0"/>
               <a:t>一个典型的</a:t>
             </a:r>
             <a:r>
-              <a:rPr lang="en-US" altLang="zh-CN" dirty="0" smtClean="0"/>
+              <a:rPr lang="en-US" altLang="zh-CN" dirty="0"/>
               <a:t>HTTP</a:t>
             </a:r>
             <a:r>
-              <a:rPr lang="zh-CN" altLang="en-US" dirty="0" smtClean="0"/>
+              <a:rPr lang="zh-CN" altLang="en-US" dirty="0"/>
               <a:t>响应报文：</a:t>
             </a:r>
-            <a:endParaRPr lang="en-US" altLang="zh-CN" dirty="0" smtClean="0"/>
+            <a:endParaRPr lang="en-US" altLang="zh-CN" dirty="0"/>
           </a:p>
           <a:p>
             <a:pPr marL="400050" lvl="1" indent="0">
               <a:buNone/>
             </a:pPr>
             <a:r>
-              <a:rPr lang="en-US" altLang="zh-CN" sz="2000" dirty="0" smtClean="0"/>
-              <a:t>HTTP/1.1 </a:t>
-            </a:r>
-            <a:r>
               <a:rPr lang="en-US" altLang="zh-CN" sz="2000" dirty="0"/>
-              <a:t>200 OK</a:t>
+              <a:t>HTTP/1.1 200 OK</a:t>
             </a:r>
             <a:endParaRPr lang="zh-CN" altLang="zh-CN" sz="2000" dirty="0"/>
           </a:p>
@@ -3786,18 +5018,17 @@
           </a:p>
           <a:p>
             <a:r>
-              <a:rPr lang="zh-CN" altLang="en-US" dirty="0" smtClean="0"/>
+              <a:rPr lang="zh-CN" altLang="en-US" dirty="0"/>
               <a:t>通常可以通过</a:t>
             </a:r>
             <a:r>
-              <a:rPr lang="en-US" altLang="zh-CN" dirty="0" err="1" smtClean="0"/>
+              <a:rPr lang="en-US" altLang="zh-CN" dirty="0" err="1"/>
               <a:t>wireshark</a:t>
             </a:r>
             <a:r>
-              <a:rPr lang="zh-CN" altLang="en-US" dirty="0" smtClean="0"/>
+              <a:rPr lang="zh-CN" altLang="en-US" dirty="0"/>
               <a:t>抓起正常上网的交互报文，根据正常的响应报文格式构造自己的伪造报文。</a:t>
             </a:r>
-            <a:endParaRPr lang="zh-CN" altLang="en-US" dirty="0"/>
           </a:p>
         </p:txBody>
       </p:sp>
@@ -3814,7 +5045,7 @@
 </p:sld>
 </file>
 
-<file path=ppt/slides/slide15.xml><?xml version="1.0" encoding="utf-8"?>
+<file path=ppt/slides/slide2.xml><?xml version="1.0" encoding="utf-8"?>
 <p:sld xmlns:a="http://schemas.openxmlformats.org/drawingml/2006/main" xmlns:r="http://schemas.openxmlformats.org/officeDocument/2006/relationships" xmlns:p="http://schemas.openxmlformats.org/presentationml/2006/main">
   <p:cSld>
     <p:spTree>
@@ -3833,6 +5064,163 @@
       </p:grpSpPr>
       <p:sp>
         <p:nvSpPr>
+          <p:cNvPr id="2" name="标题 1">
+            <a:extLst>
+              <a:ext uri="{FF2B5EF4-FFF2-40B4-BE49-F238E27FC236}">
+                <a16:creationId xmlns:a16="http://schemas.microsoft.com/office/drawing/2014/main" id="{F942FA9D-6703-4CA0-828D-53A05EF0EF7D}"/>
+              </a:ext>
+            </a:extLst>
+          </p:cNvPr>
+          <p:cNvSpPr>
+            <a:spLocks noGrp="1"/>
+          </p:cNvSpPr>
+          <p:nvPr>
+            <p:ph type="title"/>
+          </p:nvPr>
+        </p:nvSpPr>
+        <p:spPr/>
+        <p:txBody>
+          <a:bodyPr/>
+          <a:lstStyle/>
+          <a:p>
+            <a:r>
+              <a:rPr lang="zh-CN" altLang="en-US" dirty="0"/>
+              <a:t>什么是嗅探器</a:t>
+            </a:r>
+          </a:p>
+        </p:txBody>
+      </p:sp>
+      <p:sp>
+        <p:nvSpPr>
+          <p:cNvPr id="3" name="内容占位符 2">
+            <a:extLst>
+              <a:ext uri="{FF2B5EF4-FFF2-40B4-BE49-F238E27FC236}">
+                <a16:creationId xmlns:a16="http://schemas.microsoft.com/office/drawing/2014/main" id="{881D9044-F964-4EA1-B99D-5BCB031E3631}"/>
+              </a:ext>
+            </a:extLst>
+          </p:cNvPr>
+          <p:cNvSpPr>
+            <a:spLocks noGrp="1"/>
+          </p:cNvSpPr>
+          <p:nvPr>
+            <p:ph idx="1"/>
+          </p:nvPr>
+        </p:nvSpPr>
+        <p:spPr/>
+        <p:txBody>
+          <a:bodyPr>
+            <a:normAutofit fontScale="92500" lnSpcReduction="10000"/>
+          </a:bodyPr>
+          <a:lstStyle/>
+          <a:p>
+            <a:r>
+              <a:rPr lang="zh-CN" altLang="en-US" dirty="0"/>
+              <a:t> 嗅探器，也称做数据包分析器，是一些拥有拦截网络传输数据的能力的程序 。</a:t>
+            </a:r>
+            <a:endParaRPr lang="en-US" altLang="zh-CN" dirty="0"/>
+          </a:p>
+          <a:p>
+            <a:r>
+              <a:rPr lang="zh-CN" altLang="en-US" dirty="0"/>
+              <a:t>这些程序在网络管理人员和黑帽社区之中相当流行，因为他们既可被环绕于正义的光环也可沦为邪恶的爪牙。</a:t>
+            </a:r>
+            <a:endParaRPr lang="en-US" altLang="zh-CN" dirty="0"/>
+          </a:p>
+          <a:p>
+            <a:r>
+              <a:rPr lang="zh-CN" altLang="en-US" dirty="0"/>
+              <a:t>常见的网络工具</a:t>
+            </a:r>
+            <a:r>
+              <a:rPr lang="en-US" altLang="zh-CN" dirty="0" err="1"/>
+              <a:t>tcpdump</a:t>
+            </a:r>
+            <a:r>
+              <a:rPr lang="zh-CN" altLang="en-US" dirty="0"/>
+              <a:t>以及</a:t>
+            </a:r>
+            <a:r>
+              <a:rPr lang="en-US" altLang="zh-CN" dirty="0" err="1"/>
+              <a:t>wireshark</a:t>
+            </a:r>
+            <a:r>
+              <a:rPr lang="zh-CN" altLang="en-US" dirty="0"/>
+              <a:t>就算是一种嗅探器。</a:t>
+            </a:r>
+            <a:endParaRPr lang="en-US" altLang="zh-CN" dirty="0"/>
+          </a:p>
+          <a:p>
+            <a:r>
+              <a:rPr lang="zh-CN" altLang="en-US" dirty="0"/>
+              <a:t>嗅探器最基本的功能就是数据包捕获，</a:t>
+            </a:r>
+            <a:r>
+              <a:rPr lang="en-US" altLang="zh-CN" dirty="0" err="1"/>
+              <a:t>tcpdump</a:t>
+            </a:r>
+            <a:r>
+              <a:rPr lang="zh-CN" altLang="en-US" dirty="0"/>
+              <a:t>就是基于</a:t>
+            </a:r>
+            <a:r>
+              <a:rPr lang="en-US" altLang="zh-CN" dirty="0" err="1"/>
+              <a:t>libpcap</a:t>
+            </a:r>
+            <a:r>
+              <a:rPr lang="zh-CN" altLang="en-US" dirty="0"/>
+              <a:t>实现的。</a:t>
+            </a:r>
+            <a:r>
+              <a:rPr lang="en-US" altLang="zh-CN" dirty="0"/>
+              <a:t>Wireshark</a:t>
+            </a:r>
+            <a:r>
+              <a:rPr lang="zh-CN" altLang="en-US" dirty="0"/>
+              <a:t>是基于</a:t>
+            </a:r>
+            <a:r>
+              <a:rPr lang="en-US" altLang="zh-CN" dirty="0" err="1"/>
+              <a:t>winpcap</a:t>
+            </a:r>
+            <a:r>
+              <a:rPr lang="zh-CN" altLang="en-US" dirty="0"/>
+              <a:t>实现的。</a:t>
+            </a:r>
+          </a:p>
+        </p:txBody>
+      </p:sp>
+    </p:spTree>
+    <p:extLst>
+      <p:ext uri="{BB962C8B-B14F-4D97-AF65-F5344CB8AC3E}">
+        <p14:creationId xmlns:p14="http://schemas.microsoft.com/office/powerpoint/2010/main" val="626953938"/>
+      </p:ext>
+    </p:extLst>
+  </p:cSld>
+  <p:clrMapOvr>
+    <a:masterClrMapping/>
+  </p:clrMapOvr>
+</p:sld>
+</file>
+
+<file path=ppt/slides/slide20.xml><?xml version="1.0" encoding="utf-8"?>
+<p:sld xmlns:a="http://schemas.openxmlformats.org/drawingml/2006/main" xmlns:r="http://schemas.openxmlformats.org/officeDocument/2006/relationships" xmlns:p="http://schemas.openxmlformats.org/presentationml/2006/main">
+  <p:cSld>
+    <p:spTree>
+      <p:nvGrpSpPr>
+        <p:cNvPr id="1" name=""/>
+        <p:cNvGrpSpPr/>
+        <p:nvPr/>
+      </p:nvGrpSpPr>
+      <p:grpSpPr>
+        <a:xfrm>
+          <a:off x="0" y="0"/>
+          <a:ext cx="0" cy="0"/>
+          <a:chOff x="0" y="0"/>
+          <a:chExt cx="0" cy="0"/>
+        </a:xfrm>
+      </p:grpSpPr>
+      <p:sp>
+        <p:nvSpPr>
           <p:cNvPr id="2" name="标题 1"/>
           <p:cNvSpPr>
             <a:spLocks noGrp="1"/>
@@ -3847,18 +5235,17 @@
           <a:lstStyle/>
           <a:p>
             <a:r>
-              <a:rPr lang="zh-CN" altLang="en-US" dirty="0" smtClean="0"/>
+              <a:rPr lang="zh-CN" altLang="en-US" dirty="0"/>
               <a:t>构造完整的</a:t>
             </a:r>
             <a:r>
-              <a:rPr lang="en-US" altLang="zh-CN" dirty="0" smtClean="0"/>
+              <a:rPr lang="en-US" altLang="zh-CN" dirty="0"/>
               <a:t>HTTP</a:t>
             </a:r>
             <a:r>
-              <a:rPr lang="zh-CN" altLang="en-US" dirty="0" smtClean="0"/>
+              <a:rPr lang="zh-CN" altLang="en-US" dirty="0"/>
               <a:t>响应的网络包</a:t>
             </a:r>
-            <a:endParaRPr lang="zh-CN" altLang="en-US" dirty="0"/>
           </a:p>
         </p:txBody>
       </p:sp>
@@ -3878,46 +5265,46 @@
           <a:lstStyle/>
           <a:p>
             <a:r>
-              <a:rPr lang="en-US" altLang="zh-CN" dirty="0" smtClean="0"/>
+              <a:rPr lang="en-US" altLang="zh-CN" dirty="0"/>
               <a:t>HTTP</a:t>
             </a:r>
             <a:r>
-              <a:rPr lang="zh-CN" altLang="en-US" dirty="0" smtClean="0"/>
+              <a:rPr lang="zh-CN" altLang="en-US" dirty="0"/>
               <a:t>由</a:t>
             </a:r>
             <a:r>
-              <a:rPr lang="en-US" altLang="zh-CN" dirty="0" smtClean="0"/>
+              <a:rPr lang="en-US" altLang="zh-CN" dirty="0"/>
               <a:t>TCP</a:t>
             </a:r>
             <a:r>
-              <a:rPr lang="zh-CN" altLang="en-US" dirty="0" smtClean="0"/>
+              <a:rPr lang="zh-CN" altLang="en-US" dirty="0"/>
               <a:t>承载，</a:t>
             </a:r>
             <a:r>
-              <a:rPr lang="en-US" altLang="zh-CN" dirty="0" smtClean="0"/>
+              <a:rPr lang="en-US" altLang="zh-CN" dirty="0"/>
               <a:t>TCP</a:t>
             </a:r>
             <a:r>
-              <a:rPr lang="zh-CN" altLang="en-US" dirty="0" smtClean="0"/>
+              <a:rPr lang="zh-CN" altLang="en-US" dirty="0"/>
               <a:t>由</a:t>
             </a:r>
             <a:r>
-              <a:rPr lang="en-US" altLang="zh-CN" dirty="0" smtClean="0"/>
+              <a:rPr lang="en-US" altLang="zh-CN" dirty="0"/>
               <a:t>IP</a:t>
             </a:r>
             <a:r>
-              <a:rPr lang="zh-CN" altLang="en-US" dirty="0" smtClean="0"/>
+              <a:rPr lang="zh-CN" altLang="en-US" dirty="0"/>
               <a:t>承载，在以太网环境下，</a:t>
             </a:r>
             <a:r>
-              <a:rPr lang="en-US" altLang="zh-CN" dirty="0" smtClean="0"/>
+              <a:rPr lang="en-US" altLang="zh-CN" dirty="0"/>
               <a:t>IP</a:t>
             </a:r>
             <a:r>
-              <a:rPr lang="zh-CN" altLang="en-US" dirty="0" smtClean="0"/>
+              <a:rPr lang="zh-CN" altLang="en-US" dirty="0"/>
               <a:t>由以太网帧承载。</a:t>
             </a:r>
-            <a:endParaRPr lang="en-US" altLang="zh-CN" dirty="0" smtClean="0"/>
+            <a:endParaRPr lang="en-US" altLang="zh-CN" dirty="0"/>
           </a:p>
           <a:p>
             <a:r>
@@ -4001,7 +5388,7 @@
 </p:sld>
 </file>
 
-<file path=ppt/slides/slide16.xml><?xml version="1.0" encoding="utf-8"?>
+<file path=ppt/slides/slide21.xml><?xml version="1.0" encoding="utf-8"?>
 <p:sld xmlns:a="http://schemas.openxmlformats.org/drawingml/2006/main" xmlns:r="http://schemas.openxmlformats.org/officeDocument/2006/relationships" xmlns:p="http://schemas.openxmlformats.org/presentationml/2006/main">
   <p:cSld>
     <p:spTree>
@@ -4034,14 +5421,13 @@
           <a:lstStyle/>
           <a:p>
             <a:r>
-              <a:rPr lang="en-US" altLang="zh-CN" dirty="0" smtClean="0"/>
+              <a:rPr lang="en-US" altLang="zh-CN" dirty="0"/>
               <a:t>TCP</a:t>
             </a:r>
             <a:r>
-              <a:rPr lang="zh-CN" altLang="en-US" dirty="0" smtClean="0"/>
+              <a:rPr lang="zh-CN" altLang="en-US" dirty="0"/>
               <a:t>报首格式</a:t>
             </a:r>
-            <a:endParaRPr lang="zh-CN" altLang="en-US" dirty="0"/>
           </a:p>
         </p:txBody>
       </p:sp>
@@ -4092,7 +5478,7 @@
 </p:sld>
 </file>
 
-<file path=ppt/slides/slide17.xml><?xml version="1.0" encoding="utf-8"?>
+<file path=ppt/slides/slide22.xml><?xml version="1.0" encoding="utf-8"?>
 <p:sld xmlns:a="http://schemas.openxmlformats.org/drawingml/2006/main" xmlns:r="http://schemas.openxmlformats.org/officeDocument/2006/relationships" xmlns:p="http://schemas.openxmlformats.org/presentationml/2006/main">
   <p:cSld>
     <p:spTree>
@@ -4125,18 +5511,17 @@
           <a:lstStyle/>
           <a:p>
             <a:r>
-              <a:rPr lang="zh-CN" altLang="en-US" dirty="0" smtClean="0"/>
+              <a:rPr lang="zh-CN" altLang="en-US" dirty="0"/>
               <a:t>伪造</a:t>
             </a:r>
             <a:r>
-              <a:rPr lang="en-US" altLang="zh-CN" dirty="0" smtClean="0"/>
+              <a:rPr lang="en-US" altLang="zh-CN" dirty="0"/>
               <a:t>TCP</a:t>
             </a:r>
             <a:r>
-              <a:rPr lang="zh-CN" altLang="en-US" dirty="0" smtClean="0"/>
+              <a:rPr lang="zh-CN" altLang="en-US" dirty="0"/>
               <a:t>报首</a:t>
             </a:r>
-            <a:endParaRPr lang="zh-CN" altLang="en-US" dirty="0"/>
           </a:p>
         </p:txBody>
       </p:sp>
@@ -4158,38 +5543,38 @@
           <a:lstStyle/>
           <a:p>
             <a:r>
-              <a:rPr lang="en-US" altLang="zh-CN" dirty="0" smtClean="0"/>
+              <a:rPr lang="en-US" altLang="zh-CN" dirty="0"/>
               <a:t>HTTP request</a:t>
             </a:r>
             <a:r>
-              <a:rPr lang="zh-CN" altLang="en-US" dirty="0" smtClean="0"/>
+              <a:rPr lang="zh-CN" altLang="en-US" dirty="0"/>
               <a:t>的</a:t>
             </a:r>
             <a:r>
-              <a:rPr lang="en-US" altLang="zh-CN" dirty="0" err="1" smtClean="0"/>
+              <a:rPr lang="en-US" altLang="zh-CN" dirty="0" err="1"/>
               <a:t>tcphdr</a:t>
             </a:r>
             <a:r>
-              <a:rPr lang="zh-CN" altLang="en-US" dirty="0" smtClean="0"/>
+              <a:rPr lang="zh-CN" altLang="en-US" dirty="0"/>
               <a:t>和</a:t>
             </a:r>
             <a:r>
-              <a:rPr lang="en-US" altLang="zh-CN" dirty="0" smtClean="0"/>
+              <a:rPr lang="en-US" altLang="zh-CN" dirty="0"/>
               <a:t>HTTP response</a:t>
             </a:r>
             <a:r>
-              <a:rPr lang="zh-CN" altLang="en-US" dirty="0" smtClean="0"/>
+              <a:rPr lang="zh-CN" altLang="en-US" dirty="0"/>
               <a:t>的</a:t>
             </a:r>
             <a:r>
-              <a:rPr lang="en-US" altLang="zh-CN" dirty="0" err="1" smtClean="0"/>
+              <a:rPr lang="en-US" altLang="zh-CN" dirty="0" err="1"/>
               <a:t>tcphdr</a:t>
             </a:r>
             <a:r>
-              <a:rPr lang="zh-CN" altLang="en-US" dirty="0" smtClean="0"/>
+              <a:rPr lang="zh-CN" altLang="en-US" dirty="0"/>
               <a:t>具有如下关系：</a:t>
             </a:r>
-            <a:endParaRPr lang="en-US" altLang="zh-CN" dirty="0" smtClean="0"/>
+            <a:endParaRPr lang="en-US" altLang="zh-CN" dirty="0"/>
           </a:p>
           <a:p>
             <a:pPr marL="0" indent="0">
@@ -4230,7 +5615,7 @@
               <a:t>request.tcphdr.src_port</a:t>
             </a:r>
             <a:r>
-              <a:rPr lang="en-US" altLang="zh-CN" sz="3000" dirty="0" smtClean="0"/>
+              <a:rPr lang="en-US" altLang="zh-CN" sz="3000" dirty="0"/>
               <a:t>;</a:t>
             </a:r>
           </a:p>
@@ -4334,11 +5719,7 @@
             </a:r>
             <a:r>
               <a:rPr lang="en-US" altLang="zh-CN" sz="3000" dirty="0"/>
-              <a:t> = TH_ACK</a:t>
-            </a:r>
-            <a:r>
-              <a:rPr lang="en-US" altLang="zh-CN" sz="3000" dirty="0" smtClean="0"/>
-              <a:t>;</a:t>
+              <a:t> = TH_ACK;</a:t>
             </a:r>
             <a:endParaRPr lang="zh-CN" altLang="zh-CN" sz="3000" dirty="0"/>
           </a:p>
@@ -4360,7 +5741,7 @@
 </p:sld>
 </file>
 
-<file path=ppt/slides/slide18.xml><?xml version="1.0" encoding="utf-8"?>
+<file path=ppt/slides/slide23.xml><?xml version="1.0" encoding="utf-8"?>
 <p:sld xmlns:a="http://schemas.openxmlformats.org/drawingml/2006/main" xmlns:r="http://schemas.openxmlformats.org/officeDocument/2006/relationships" xmlns:p="http://schemas.openxmlformats.org/presentationml/2006/main">
   <p:cSld>
     <p:spTree>
@@ -4393,14 +5774,13 @@
           <a:lstStyle/>
           <a:p>
             <a:r>
-              <a:rPr lang="en-US" altLang="zh-CN" dirty="0" smtClean="0"/>
+              <a:rPr lang="en-US" altLang="zh-CN" dirty="0"/>
               <a:t>IP</a:t>
             </a:r>
             <a:r>
-              <a:rPr lang="zh-CN" altLang="en-US" dirty="0" smtClean="0"/>
+              <a:rPr lang="zh-CN" altLang="en-US" dirty="0"/>
               <a:t>报首格式</a:t>
             </a:r>
-            <a:endParaRPr lang="zh-CN" altLang="en-US" dirty="0"/>
           </a:p>
         </p:txBody>
       </p:sp>
@@ -4451,7 +5831,7 @@
 </p:sld>
 </file>
 
-<file path=ppt/slides/slide19.xml><?xml version="1.0" encoding="utf-8"?>
+<file path=ppt/slides/slide24.xml><?xml version="1.0" encoding="utf-8"?>
 <p:sld xmlns:a="http://schemas.openxmlformats.org/drawingml/2006/main" xmlns:r="http://schemas.openxmlformats.org/officeDocument/2006/relationships" xmlns:p="http://schemas.openxmlformats.org/presentationml/2006/main">
   <p:cSld>
     <p:spTree>
@@ -4484,11 +5864,11 @@
           <a:lstStyle/>
           <a:p>
             <a:r>
-              <a:rPr lang="zh-CN" altLang="en-US" dirty="0" smtClean="0"/>
+              <a:rPr lang="zh-CN" altLang="en-US" dirty="0"/>
               <a:t>伪造</a:t>
             </a:r>
             <a:r>
-              <a:rPr lang="en-US" altLang="zh-CN" dirty="0" smtClean="0"/>
+              <a:rPr lang="en-US" altLang="zh-CN" dirty="0"/>
               <a:t>IP</a:t>
             </a:r>
             <a:r>
@@ -4516,31 +5896,31 @@
           <a:lstStyle/>
           <a:p>
             <a:r>
-              <a:rPr lang="en-US" altLang="zh-CN" dirty="0" smtClean="0"/>
+              <a:rPr lang="en-US" altLang="zh-CN" dirty="0"/>
               <a:t>HTTP request</a:t>
             </a:r>
             <a:r>
-              <a:rPr lang="zh-CN" altLang="en-US" dirty="0" smtClean="0"/>
+              <a:rPr lang="zh-CN" altLang="en-US" dirty="0"/>
               <a:t>的</a:t>
             </a:r>
             <a:r>
-              <a:rPr lang="en-US" altLang="zh-CN" dirty="0" err="1" smtClean="0"/>
+              <a:rPr lang="en-US" altLang="zh-CN" dirty="0" err="1"/>
               <a:t>iphdr</a:t>
             </a:r>
             <a:r>
-              <a:rPr lang="zh-CN" altLang="en-US" dirty="0" smtClean="0"/>
+              <a:rPr lang="zh-CN" altLang="en-US" dirty="0"/>
               <a:t>和</a:t>
             </a:r>
             <a:r>
-              <a:rPr lang="en-US" altLang="zh-CN" dirty="0" smtClean="0"/>
+              <a:rPr lang="en-US" altLang="zh-CN" dirty="0"/>
               <a:t>HTTP response</a:t>
             </a:r>
             <a:r>
-              <a:rPr lang="zh-CN" altLang="en-US" dirty="0" smtClean="0"/>
+              <a:rPr lang="zh-CN" altLang="en-US" dirty="0"/>
               <a:t>的</a:t>
             </a:r>
             <a:r>
-              <a:rPr lang="en-US" altLang="zh-CN" dirty="0" err="1" smtClean="0"/>
+              <a:rPr lang="en-US" altLang="zh-CN" dirty="0" err="1"/>
               <a:t>iphdr</a:t>
             </a:r>
             <a:r>
@@ -4668,7 +6048,7 @@
 </p:sld>
 </file>
 
-<file path=ppt/slides/slide2.xml><?xml version="1.0" encoding="utf-8"?>
+<file path=ppt/slides/slide25.xml><?xml version="1.0" encoding="utf-8"?>
 <p:sld xmlns:a="http://schemas.openxmlformats.org/drawingml/2006/main" xmlns:r="http://schemas.openxmlformats.org/officeDocument/2006/relationships" xmlns:p="http://schemas.openxmlformats.org/presentationml/2006/main">
   <p:cSld>
     <p:spTree>
@@ -4687,6 +6067,529 @@
       </p:grpSpPr>
       <p:sp>
         <p:nvSpPr>
+          <p:cNvPr id="3" name="内容占位符 2"/>
+          <p:cNvSpPr>
+            <a:spLocks noGrp="1"/>
+          </p:cNvSpPr>
+          <p:nvPr>
+            <p:ph idx="1"/>
+          </p:nvPr>
+        </p:nvSpPr>
+        <p:spPr>
+          <a:xfrm>
+            <a:off x="467544" y="980728"/>
+            <a:ext cx="8229600" cy="4525963"/>
+          </a:xfrm>
+        </p:spPr>
+        <p:txBody>
+          <a:bodyPr/>
+          <a:lstStyle/>
+          <a:p>
+            <a:pPr marL="0" indent="0" algn="ctr">
+              <a:buNone/>
+            </a:pPr>
+            <a:endParaRPr lang="en-US" altLang="zh-CN" dirty="0"/>
+          </a:p>
+          <a:p>
+            <a:pPr marL="0" indent="0" algn="ctr">
+              <a:buNone/>
+            </a:pPr>
+            <a:endParaRPr lang="en-US" altLang="zh-CN" dirty="0"/>
+          </a:p>
+          <a:p>
+            <a:pPr marL="0" indent="0" algn="ctr">
+              <a:buNone/>
+            </a:pPr>
+            <a:endParaRPr lang="en-US" altLang="zh-CN" dirty="0"/>
+          </a:p>
+          <a:p>
+            <a:pPr marL="0" indent="0" algn="ctr">
+              <a:buNone/>
+            </a:pPr>
+            <a:r>
+              <a:rPr lang="zh-CN" altLang="en-US" dirty="0"/>
+              <a:t>谢谢！</a:t>
+            </a:r>
+          </a:p>
+        </p:txBody>
+      </p:sp>
+    </p:spTree>
+    <p:extLst>
+      <p:ext uri="{BB962C8B-B14F-4D97-AF65-F5344CB8AC3E}">
+        <p14:creationId xmlns:p14="http://schemas.microsoft.com/office/powerpoint/2010/main" val="2688457299"/>
+      </p:ext>
+    </p:extLst>
+  </p:cSld>
+  <p:clrMapOvr>
+    <a:masterClrMapping/>
+  </p:clrMapOvr>
+</p:sld>
+</file>
+
+<file path=ppt/slides/slide3.xml><?xml version="1.0" encoding="utf-8"?>
+<p:sld xmlns:a="http://schemas.openxmlformats.org/drawingml/2006/main" xmlns:r="http://schemas.openxmlformats.org/officeDocument/2006/relationships" xmlns:p="http://schemas.openxmlformats.org/presentationml/2006/main">
+  <p:cSld>
+    <p:spTree>
+      <p:nvGrpSpPr>
+        <p:cNvPr id="1" name=""/>
+        <p:cNvGrpSpPr/>
+        <p:nvPr/>
+      </p:nvGrpSpPr>
+      <p:grpSpPr>
+        <a:xfrm>
+          <a:off x="0" y="0"/>
+          <a:ext cx="0" cy="0"/>
+          <a:chOff x="0" y="0"/>
+          <a:chExt cx="0" cy="0"/>
+        </a:xfrm>
+      </p:grpSpPr>
+      <p:sp>
+        <p:nvSpPr>
+          <p:cNvPr id="2" name="标题 1">
+            <a:extLst>
+              <a:ext uri="{FF2B5EF4-FFF2-40B4-BE49-F238E27FC236}">
+                <a16:creationId xmlns:a16="http://schemas.microsoft.com/office/drawing/2014/main" id="{69065465-A1DC-4C48-8D18-0524418B508A}"/>
+              </a:ext>
+            </a:extLst>
+          </p:cNvPr>
+          <p:cNvSpPr>
+            <a:spLocks noGrp="1"/>
+          </p:cNvSpPr>
+          <p:nvPr>
+            <p:ph type="title"/>
+          </p:nvPr>
+        </p:nvSpPr>
+        <p:spPr/>
+        <p:txBody>
+          <a:bodyPr>
+            <a:normAutofit/>
+          </a:bodyPr>
+          <a:lstStyle/>
+          <a:p>
+            <a:r>
+              <a:rPr lang="zh-CN" altLang="en-US" dirty="0"/>
+              <a:t> 什么是数据包捕获</a:t>
+            </a:r>
+          </a:p>
+        </p:txBody>
+      </p:sp>
+      <p:sp>
+        <p:nvSpPr>
+          <p:cNvPr id="3" name="内容占位符 2">
+            <a:extLst>
+              <a:ext uri="{FF2B5EF4-FFF2-40B4-BE49-F238E27FC236}">
+                <a16:creationId xmlns:a16="http://schemas.microsoft.com/office/drawing/2014/main" id="{EB515AED-4D66-46F0-A800-EE9ECEF4E53B}"/>
+              </a:ext>
+            </a:extLst>
+          </p:cNvPr>
+          <p:cNvSpPr>
+            <a:spLocks noGrp="1"/>
+          </p:cNvSpPr>
+          <p:nvPr>
+            <p:ph idx="1"/>
+          </p:nvPr>
+        </p:nvSpPr>
+        <p:spPr/>
+        <p:txBody>
+          <a:bodyPr/>
+          <a:lstStyle/>
+          <a:p>
+            <a:r>
+              <a:rPr lang="zh-CN" altLang="en-US" dirty="0"/>
+              <a:t> 数据包捕获是在数据传输的网络上进行数据收集的一种行为。嗅探器是捕获数据包的最佳实现，但是许多其它种类的应用需要通过网卡才能完成数据包的捕获，它们包括网络数据统计工具，入侵检测系统，端口锁定守护进程，密码嗅探器，</a:t>
+            </a:r>
+            <a:r>
+              <a:rPr lang="en-US" altLang="zh-CN" dirty="0"/>
+              <a:t>ARP</a:t>
+            </a:r>
+            <a:r>
+              <a:rPr lang="zh-CN" altLang="en-US" dirty="0"/>
+              <a:t>注入攻击，路由检测器等等。 </a:t>
+            </a:r>
+          </a:p>
+        </p:txBody>
+      </p:sp>
+    </p:spTree>
+    <p:extLst>
+      <p:ext uri="{BB962C8B-B14F-4D97-AF65-F5344CB8AC3E}">
+        <p14:creationId xmlns:p14="http://schemas.microsoft.com/office/powerpoint/2010/main" val="3664385715"/>
+      </p:ext>
+    </p:extLst>
+  </p:cSld>
+  <p:clrMapOvr>
+    <a:masterClrMapping/>
+  </p:clrMapOvr>
+</p:sld>
+</file>
+
+<file path=ppt/slides/slide4.xml><?xml version="1.0" encoding="utf-8"?>
+<p:sld xmlns:a="http://schemas.openxmlformats.org/drawingml/2006/main" xmlns:r="http://schemas.openxmlformats.org/officeDocument/2006/relationships" xmlns:p="http://schemas.openxmlformats.org/presentationml/2006/main">
+  <p:cSld>
+    <p:spTree>
+      <p:nvGrpSpPr>
+        <p:cNvPr id="1" name=""/>
+        <p:cNvGrpSpPr/>
+        <p:nvPr/>
+      </p:nvGrpSpPr>
+      <p:grpSpPr>
+        <a:xfrm>
+          <a:off x="0" y="0"/>
+          <a:ext cx="0" cy="0"/>
+          <a:chOff x="0" y="0"/>
+          <a:chExt cx="0" cy="0"/>
+        </a:xfrm>
+      </p:grpSpPr>
+      <p:sp>
+        <p:nvSpPr>
+          <p:cNvPr id="2" name="标题 1">
+            <a:extLst>
+              <a:ext uri="{FF2B5EF4-FFF2-40B4-BE49-F238E27FC236}">
+                <a16:creationId xmlns:a16="http://schemas.microsoft.com/office/drawing/2014/main" id="{57617526-8D13-44FF-856E-43F1A20EFDBB}"/>
+              </a:ext>
+            </a:extLst>
+          </p:cNvPr>
+          <p:cNvSpPr>
+            <a:spLocks noGrp="1"/>
+          </p:cNvSpPr>
+          <p:nvPr>
+            <p:ph type="title"/>
+          </p:nvPr>
+        </p:nvSpPr>
+        <p:spPr/>
+        <p:txBody>
+          <a:bodyPr>
+            <a:normAutofit/>
+          </a:bodyPr>
+          <a:lstStyle/>
+          <a:p>
+            <a:r>
+              <a:rPr lang="zh-CN" altLang="en-US" dirty="0"/>
+              <a:t> 数据包捕获原理</a:t>
+            </a:r>
+          </a:p>
+        </p:txBody>
+      </p:sp>
+      <p:sp>
+        <p:nvSpPr>
+          <p:cNvPr id="3" name="内容占位符 2">
+            <a:extLst>
+              <a:ext uri="{FF2B5EF4-FFF2-40B4-BE49-F238E27FC236}">
+                <a16:creationId xmlns:a16="http://schemas.microsoft.com/office/drawing/2014/main" id="{AC56C6E8-0329-4E44-9C9F-D006555614B2}"/>
+              </a:ext>
+            </a:extLst>
+          </p:cNvPr>
+          <p:cNvSpPr>
+            <a:spLocks noGrp="1"/>
+          </p:cNvSpPr>
+          <p:nvPr>
+            <p:ph idx="1"/>
+          </p:nvPr>
+        </p:nvSpPr>
+        <p:spPr/>
+        <p:txBody>
+          <a:bodyPr>
+            <a:normAutofit fontScale="92500" lnSpcReduction="20000"/>
+          </a:bodyPr>
+          <a:lstStyle/>
+          <a:p>
+            <a:r>
+              <a:rPr lang="zh-CN" altLang="en-US" dirty="0"/>
+              <a:t> 每当一个网卡收到一个以太帧，它就会检测该帧的目的网卡地址（</a:t>
+            </a:r>
+            <a:r>
+              <a:rPr lang="en-US" altLang="zh-CN" dirty="0"/>
+              <a:t>MAC address</a:t>
+            </a:r>
+            <a:r>
+              <a:rPr lang="zh-CN" altLang="en-US" dirty="0"/>
+              <a:t>）是否与自己的网卡地址相符（相同）。如果相符，网卡便产生一个中断请求，该中断请求将由负责处理此类中断的系统网卡驱动程序处理。该驱动给接收到的数据打上时间戳，然后将数据从网卡缓冲区复制到系统内核空间的一块内存上。</a:t>
+            </a:r>
+            <a:endParaRPr lang="en-US" altLang="zh-CN" dirty="0"/>
+          </a:p>
+          <a:p>
+            <a:r>
+              <a:rPr lang="zh-CN" altLang="en-US" dirty="0"/>
+              <a:t>接着系统通过查看以太数据帧头的以太类型区域判断接收到的数据包是属于哪一种类型继而将该包中的数据传递给协议堆栈由相应的协议处理机制处理。</a:t>
+            </a:r>
+          </a:p>
+        </p:txBody>
+      </p:sp>
+    </p:spTree>
+    <p:extLst>
+      <p:ext uri="{BB962C8B-B14F-4D97-AF65-F5344CB8AC3E}">
+        <p14:creationId xmlns:p14="http://schemas.microsoft.com/office/powerpoint/2010/main" val="377970133"/>
+      </p:ext>
+    </p:extLst>
+  </p:cSld>
+  <p:clrMapOvr>
+    <a:masterClrMapping/>
+  </p:clrMapOvr>
+</p:sld>
+</file>
+
+<file path=ppt/slides/slide5.xml><?xml version="1.0" encoding="utf-8"?>
+<p:sld xmlns:a="http://schemas.openxmlformats.org/drawingml/2006/main" xmlns:r="http://schemas.openxmlformats.org/officeDocument/2006/relationships" xmlns:p="http://schemas.openxmlformats.org/presentationml/2006/main">
+  <p:cSld>
+    <p:spTree>
+      <p:nvGrpSpPr>
+        <p:cNvPr id="1" name=""/>
+        <p:cNvGrpSpPr/>
+        <p:nvPr/>
+      </p:nvGrpSpPr>
+      <p:grpSpPr>
+        <a:xfrm>
+          <a:off x="0" y="0"/>
+          <a:ext cx="0" cy="0"/>
+          <a:chOff x="0" y="0"/>
+          <a:chExt cx="0" cy="0"/>
+        </a:xfrm>
+      </p:grpSpPr>
+      <p:sp>
+        <p:nvSpPr>
+          <p:cNvPr id="2" name="标题 1">
+            <a:extLst>
+              <a:ext uri="{FF2B5EF4-FFF2-40B4-BE49-F238E27FC236}">
+                <a16:creationId xmlns:a16="http://schemas.microsoft.com/office/drawing/2014/main" id="{AD20AAF1-C47D-4D71-AA97-F1545F408399}"/>
+              </a:ext>
+            </a:extLst>
+          </p:cNvPr>
+          <p:cNvSpPr>
+            <a:spLocks noGrp="1"/>
+          </p:cNvSpPr>
+          <p:nvPr>
+            <p:ph type="title"/>
+          </p:nvPr>
+        </p:nvSpPr>
+        <p:spPr/>
+        <p:txBody>
+          <a:bodyPr/>
+          <a:lstStyle/>
+          <a:p>
+            <a:r>
+              <a:rPr lang="zh-CN" altLang="en-US" dirty="0"/>
+              <a:t>数据包捕获原理</a:t>
+            </a:r>
+          </a:p>
+        </p:txBody>
+      </p:sp>
+      <p:sp>
+        <p:nvSpPr>
+          <p:cNvPr id="3" name="内容占位符 2">
+            <a:extLst>
+              <a:ext uri="{FF2B5EF4-FFF2-40B4-BE49-F238E27FC236}">
+                <a16:creationId xmlns:a16="http://schemas.microsoft.com/office/drawing/2014/main" id="{9120F69B-789C-4B7E-9154-9160D53E3841}"/>
+              </a:ext>
+            </a:extLst>
+          </p:cNvPr>
+          <p:cNvSpPr>
+            <a:spLocks noGrp="1"/>
+          </p:cNvSpPr>
+          <p:nvPr>
+            <p:ph idx="1"/>
+          </p:nvPr>
+        </p:nvSpPr>
+        <p:spPr/>
+        <p:txBody>
+          <a:bodyPr>
+            <a:normAutofit fontScale="92500"/>
+          </a:bodyPr>
+          <a:lstStyle/>
+          <a:p>
+            <a:r>
+              <a:rPr lang="zh-CN" altLang="en-US" dirty="0"/>
+              <a:t>大多数情况下数据包包含一个</a:t>
+            </a:r>
+            <a:r>
+              <a:rPr lang="en-US" altLang="zh-CN" dirty="0"/>
+              <a:t>IPv4</a:t>
+            </a:r>
+            <a:r>
+              <a:rPr lang="zh-CN" altLang="en-US" dirty="0"/>
+              <a:t>数据报，如此，</a:t>
+            </a:r>
+            <a:r>
+              <a:rPr lang="en-US" altLang="zh-CN" dirty="0"/>
+              <a:t>IPv4</a:t>
+            </a:r>
+            <a:r>
+              <a:rPr lang="zh-CN" altLang="en-US" dirty="0"/>
+              <a:t>协议处理机制将被激活。这种处理机制将进行一系列验证行为来确保比如数据包没有遭到损坏，本机的确是该包的目的地等等。</a:t>
+            </a:r>
+            <a:endParaRPr lang="en-US" altLang="zh-CN" dirty="0"/>
+          </a:p>
+          <a:p>
+            <a:r>
+              <a:rPr lang="zh-CN" altLang="en-US" dirty="0"/>
+              <a:t>当所有验证均通过后，</a:t>
+            </a:r>
+            <a:r>
+              <a:rPr lang="en-US" altLang="zh-CN" dirty="0"/>
+              <a:t>IP</a:t>
+            </a:r>
+            <a:r>
+              <a:rPr lang="zh-CN" altLang="en-US" dirty="0"/>
+              <a:t>头被移除，剩下的部分再被传递到下一层协议处理机制（可能是</a:t>
+            </a:r>
+            <a:r>
+              <a:rPr lang="en-US" altLang="zh-CN" dirty="0"/>
+              <a:t>TCP</a:t>
+            </a:r>
+            <a:r>
+              <a:rPr lang="zh-CN" altLang="en-US" dirty="0"/>
+              <a:t>或者</a:t>
+            </a:r>
+            <a:r>
+              <a:rPr lang="en-US" altLang="zh-CN" dirty="0"/>
+              <a:t>UDP</a:t>
+            </a:r>
+            <a:r>
+              <a:rPr lang="zh-CN" altLang="en-US" dirty="0"/>
+              <a:t>）。</a:t>
+            </a:r>
+            <a:endParaRPr lang="en-US" altLang="zh-CN" dirty="0"/>
+          </a:p>
+          <a:p>
+            <a:r>
+              <a:rPr lang="zh-CN" altLang="en-US" dirty="0"/>
+              <a:t>这种处理过程不断重复直到数据到达由用户空间的应用程序来处理的应用层。 </a:t>
+            </a:r>
+          </a:p>
+        </p:txBody>
+      </p:sp>
+    </p:spTree>
+    <p:extLst>
+      <p:ext uri="{BB962C8B-B14F-4D97-AF65-F5344CB8AC3E}">
+        <p14:creationId xmlns:p14="http://schemas.microsoft.com/office/powerpoint/2010/main" val="3427816237"/>
+      </p:ext>
+    </p:extLst>
+  </p:cSld>
+  <p:clrMapOvr>
+    <a:masterClrMapping/>
+  </p:clrMapOvr>
+</p:sld>
+</file>
+
+<file path=ppt/slides/slide6.xml><?xml version="1.0" encoding="utf-8"?>
+<p:sld xmlns:a="http://schemas.openxmlformats.org/drawingml/2006/main" xmlns:r="http://schemas.openxmlformats.org/officeDocument/2006/relationships" xmlns:p="http://schemas.openxmlformats.org/presentationml/2006/main">
+  <p:cSld>
+    <p:spTree>
+      <p:nvGrpSpPr>
+        <p:cNvPr id="1" name=""/>
+        <p:cNvGrpSpPr/>
+        <p:nvPr/>
+      </p:nvGrpSpPr>
+      <p:grpSpPr>
+        <a:xfrm>
+          <a:off x="0" y="0"/>
+          <a:ext cx="0" cy="0"/>
+          <a:chOff x="0" y="0"/>
+          <a:chExt cx="0" cy="0"/>
+        </a:xfrm>
+      </p:grpSpPr>
+      <p:sp>
+        <p:nvSpPr>
+          <p:cNvPr id="2" name="标题 1">
+            <a:extLst>
+              <a:ext uri="{FF2B5EF4-FFF2-40B4-BE49-F238E27FC236}">
+                <a16:creationId xmlns:a16="http://schemas.microsoft.com/office/drawing/2014/main" id="{FD2C335D-F637-4E5C-BAFC-450E84DF9E5C}"/>
+              </a:ext>
+            </a:extLst>
+          </p:cNvPr>
+          <p:cNvSpPr>
+            <a:spLocks noGrp="1"/>
+          </p:cNvSpPr>
+          <p:nvPr>
+            <p:ph type="title"/>
+          </p:nvPr>
+        </p:nvSpPr>
+        <p:spPr/>
+        <p:txBody>
+          <a:bodyPr/>
+          <a:lstStyle/>
+          <a:p>
+            <a:r>
+              <a:rPr lang="zh-CN" altLang="en-US" dirty="0"/>
+              <a:t>嗅探器工作原理</a:t>
+            </a:r>
+          </a:p>
+        </p:txBody>
+      </p:sp>
+      <p:sp>
+        <p:nvSpPr>
+          <p:cNvPr id="3" name="内容占位符 2">
+            <a:extLst>
+              <a:ext uri="{FF2B5EF4-FFF2-40B4-BE49-F238E27FC236}">
+                <a16:creationId xmlns:a16="http://schemas.microsoft.com/office/drawing/2014/main" id="{36BA1731-0D75-4591-B8A8-0878D42766DD}"/>
+              </a:ext>
+            </a:extLst>
+          </p:cNvPr>
+          <p:cNvSpPr>
+            <a:spLocks noGrp="1"/>
+          </p:cNvSpPr>
+          <p:nvPr>
+            <p:ph idx="1"/>
+          </p:nvPr>
+        </p:nvSpPr>
+        <p:spPr/>
+        <p:txBody>
+          <a:bodyPr>
+            <a:normAutofit fontScale="92500" lnSpcReduction="20000"/>
+          </a:bodyPr>
+          <a:lstStyle/>
+          <a:p>
+            <a:r>
+              <a:rPr lang="zh-CN" altLang="en-US" dirty="0"/>
+              <a:t>当我们使用嗅探器时，数据包将完成上述的相同过程，但除了一个地方：网络驱动程序也将拷贝接收到的或是发出的任何数据到内核中名叫数据包过滤器的部分。</a:t>
+            </a:r>
+            <a:endParaRPr lang="en-US" altLang="zh-CN" dirty="0"/>
+          </a:p>
+          <a:p>
+            <a:r>
+              <a:rPr lang="zh-CN" altLang="en-US" dirty="0"/>
+              <a:t>而正是数据包过滤器使数据包的捕获成为可能。默认的情况下，数据包过滤器允许任意包通过，但是，数据包过滤器也会提供一些高级的过滤能力。</a:t>
+            </a:r>
+            <a:endParaRPr lang="en-US" altLang="zh-CN" dirty="0"/>
+          </a:p>
+          <a:p>
+            <a:r>
+              <a:rPr lang="zh-CN" altLang="en-US" dirty="0"/>
+              <a:t>由于数据包捕获可能涉及到网络安全，因此多数操作系统要求必须要有管理员的权限才能使用数据过滤的这一项功能。 </a:t>
+            </a:r>
+          </a:p>
+        </p:txBody>
+      </p:sp>
+    </p:spTree>
+    <p:extLst>
+      <p:ext uri="{BB962C8B-B14F-4D97-AF65-F5344CB8AC3E}">
+        <p14:creationId xmlns:p14="http://schemas.microsoft.com/office/powerpoint/2010/main" val="452670870"/>
+      </p:ext>
+    </p:extLst>
+  </p:cSld>
+  <p:clrMapOvr>
+    <a:masterClrMapping/>
+  </p:clrMapOvr>
+</p:sld>
+</file>
+
+<file path=ppt/slides/slide7.xml><?xml version="1.0" encoding="utf-8"?>
+<p:sld xmlns:a="http://schemas.openxmlformats.org/drawingml/2006/main" xmlns:r="http://schemas.openxmlformats.org/officeDocument/2006/relationships" xmlns:p="http://schemas.openxmlformats.org/presentationml/2006/main">
+  <p:cSld>
+    <p:spTree>
+      <p:nvGrpSpPr>
+        <p:cNvPr id="1" name=""/>
+        <p:cNvGrpSpPr/>
+        <p:nvPr/>
+      </p:nvGrpSpPr>
+      <p:grpSpPr>
+        <a:xfrm>
+          <a:off x="0" y="0"/>
+          <a:ext cx="0" cy="0"/>
+          <a:chOff x="0" y="0"/>
+          <a:chExt cx="0" cy="0"/>
+        </a:xfrm>
+      </p:grpSpPr>
+      <p:sp>
+        <p:nvSpPr>
           <p:cNvPr id="2" name="标题 1"/>
           <p:cNvSpPr>
             <a:spLocks noGrp="1"/>
@@ -4701,10 +6604,9 @@
           <a:lstStyle/>
           <a:p>
             <a:r>
-              <a:rPr lang="zh-CN" altLang="en-US" dirty="0" smtClean="0"/>
+              <a:rPr lang="zh-CN" altLang="en-US" dirty="0"/>
               <a:t>嗅探器工作原理</a:t>
             </a:r>
-            <a:endParaRPr lang="zh-CN" altLang="en-US" dirty="0"/>
           </a:p>
         </p:txBody>
       </p:sp>
@@ -4747,17 +6649,10 @@
   <p:clrMapOvr>
     <a:masterClrMapping/>
   </p:clrMapOvr>
-  <p:timing>
-    <p:tnLst>
-      <p:par>
-        <p:cTn id="1" dur="indefinite" restart="never" nodeType="tmRoot"/>
-      </p:par>
-    </p:tnLst>
-  </p:timing>
 </p:sld>
 </file>
 
-<file path=ppt/slides/slide20.xml><?xml version="1.0" encoding="utf-8"?>
+<file path=ppt/slides/slide8.xml><?xml version="1.0" encoding="utf-8"?>
 <p:sld xmlns:a="http://schemas.openxmlformats.org/drawingml/2006/main" xmlns:r="http://schemas.openxmlformats.org/officeDocument/2006/relationships" xmlns:p="http://schemas.openxmlformats.org/presentationml/2006/main">
   <p:cSld>
     <p:spTree>
@@ -4776,6 +6671,28 @@
       </p:grpSpPr>
       <p:sp>
         <p:nvSpPr>
+          <p:cNvPr id="2" name="标题 1"/>
+          <p:cNvSpPr>
+            <a:spLocks noGrp="1"/>
+          </p:cNvSpPr>
+          <p:nvPr>
+            <p:ph type="title"/>
+          </p:nvPr>
+        </p:nvSpPr>
+        <p:spPr/>
+        <p:txBody>
+          <a:bodyPr/>
+          <a:lstStyle/>
+          <a:p>
+            <a:r>
+              <a:rPr lang="zh-CN" altLang="en-US" dirty="0"/>
+              <a:t>编写网路嗅探器所需软件包</a:t>
+            </a:r>
+          </a:p>
+        </p:txBody>
+      </p:sp>
+      <p:sp>
+        <p:nvSpPr>
           <p:cNvPr id="3" name="内容占位符 2"/>
           <p:cNvSpPr>
             <a:spLocks noGrp="1"/>
@@ -4784,51 +6701,98 @@
             <p:ph idx="1"/>
           </p:nvPr>
         </p:nvSpPr>
-        <p:spPr>
-          <a:xfrm>
-            <a:off x="467544" y="980728"/>
-            <a:ext cx="8229600" cy="4525963"/>
-          </a:xfrm>
-        </p:spPr>
-        <p:txBody>
-          <a:bodyPr/>
-          <a:lstStyle/>
-          <a:p>
-            <a:pPr marL="0" indent="0" algn="ctr">
-              <a:buNone/>
-            </a:pPr>
-            <a:endParaRPr lang="en-US" altLang="zh-CN" dirty="0" smtClean="0"/>
-          </a:p>
-          <a:p>
-            <a:pPr marL="0" indent="0" algn="ctr">
-              <a:buNone/>
-            </a:pPr>
+        <p:spPr/>
+        <p:txBody>
+          <a:bodyPr/>
+          <a:lstStyle/>
+          <a:p>
+            <a:r>
+              <a:rPr lang="en-US" altLang="zh-CN" dirty="0" err="1"/>
+              <a:t>libpcap</a:t>
+            </a:r>
+            <a:r>
+              <a:rPr lang="en-US" altLang="zh-CN" dirty="0"/>
+              <a:t>:</a:t>
+            </a:r>
+            <a:r>
+              <a:rPr lang="zh-CN" altLang="en-US" dirty="0"/>
+              <a:t>提供了系统独立的用户级别网络数据包捕获接口</a:t>
+            </a:r>
             <a:endParaRPr lang="en-US" altLang="zh-CN" dirty="0"/>
           </a:p>
           <a:p>
-            <a:pPr marL="0" indent="0" algn="ctr">
-              <a:buNone/>
-            </a:pPr>
-            <a:endParaRPr lang="en-US" altLang="zh-CN" dirty="0" smtClean="0"/>
-          </a:p>
-          <a:p>
-            <a:pPr marL="0" indent="0" algn="ctr">
-              <a:buNone/>
-            </a:pPr>
-            <a:r>
-              <a:rPr lang="zh-CN" altLang="en-US" dirty="0" smtClean="0"/>
-              <a:t>谢谢！</a:t>
-            </a:r>
-            <a:endParaRPr lang="zh-CN" altLang="en-US" dirty="0"/>
+            <a:r>
+              <a:rPr lang="en-US" altLang="zh-CN" dirty="0" err="1"/>
+              <a:t>libnet</a:t>
+            </a:r>
+            <a:r>
+              <a:rPr lang="en-US" altLang="zh-CN" dirty="0"/>
+              <a:t>:</a:t>
+            </a:r>
+            <a:r>
+              <a:rPr lang="zh-CN" altLang="en-US" dirty="0"/>
+              <a:t>提供了低层网络数据包的构造、处理和发送功能的简单统一的网络编程接口。</a:t>
+            </a:r>
+            <a:endParaRPr lang="en-US" altLang="zh-CN" dirty="0"/>
+          </a:p>
+          <a:p>
+            <a:r>
+              <a:rPr lang="en-US" altLang="zh-CN" dirty="0" err="1"/>
+              <a:t>gcc</a:t>
+            </a:r>
+            <a:r>
+              <a:rPr lang="en-US" altLang="zh-CN" dirty="0"/>
+              <a:t>: </a:t>
+            </a:r>
+            <a:r>
+              <a:rPr lang="en-US" altLang="zh-CN" dirty="0" err="1"/>
+              <a:t>libpcap</a:t>
+            </a:r>
+            <a:r>
+              <a:rPr lang="zh-CN" altLang="en-US" dirty="0"/>
+              <a:t>和</a:t>
+            </a:r>
+            <a:r>
+              <a:rPr lang="en-US" altLang="zh-CN" dirty="0" err="1"/>
+              <a:t>libnet</a:t>
+            </a:r>
+            <a:r>
+              <a:rPr lang="zh-CN" altLang="en-US" dirty="0"/>
+              <a:t>都为</a:t>
+            </a:r>
+            <a:r>
+              <a:rPr lang="en-US" altLang="zh-CN" dirty="0"/>
+              <a:t>C</a:t>
+            </a:r>
+            <a:r>
+              <a:rPr lang="zh-CN" altLang="en-US" dirty="0"/>
+              <a:t>接口，这里介绍的嗅探器代码都采用</a:t>
+            </a:r>
+            <a:r>
+              <a:rPr lang="en-US" altLang="zh-CN" dirty="0"/>
+              <a:t>C/C++</a:t>
+            </a:r>
+            <a:r>
+              <a:rPr lang="zh-CN" altLang="en-US" dirty="0"/>
+              <a:t>实现，需要</a:t>
+            </a:r>
+            <a:r>
+              <a:rPr lang="en-US" altLang="zh-CN" dirty="0" err="1"/>
+              <a:t>gcc</a:t>
+            </a:r>
+            <a:r>
+              <a:rPr lang="en-US" altLang="zh-CN" dirty="0"/>
+              <a:t>/g++</a:t>
+            </a:r>
+            <a:r>
+              <a:rPr lang="zh-CN" altLang="en-US" dirty="0"/>
+              <a:t>编译器。</a:t>
+            </a:r>
+            <a:endParaRPr lang="en-US" altLang="zh-CN" dirty="0"/>
           </a:p>
         </p:txBody>
       </p:sp>
     </p:spTree>
-    <p:extLst>
-      <p:ext uri="{BB962C8B-B14F-4D97-AF65-F5344CB8AC3E}">
-        <p14:creationId xmlns:p14="http://schemas.microsoft.com/office/powerpoint/2010/main" val="2688457299"/>
-      </p:ext>
-    </p:extLst>
   </p:cSld>
   <p:clrMapOvr>
     <a:masterClrMapping/>
@@ -4836,7 +6800,7 @@
 </p:sld>
 </file>
 
-<file path=ppt/slides/slide3.xml><?xml version="1.0" encoding="utf-8"?>
+<file path=ppt/slides/slide9.xml><?xml version="1.0" encoding="utf-8"?>
 <p:sld xmlns:a="http://schemas.openxmlformats.org/drawingml/2006/main" xmlns:r="http://schemas.openxmlformats.org/officeDocument/2006/relationships" xmlns:p="http://schemas.openxmlformats.org/presentationml/2006/main">
   <p:cSld>
     <p:spTree>
@@ -4865,188 +6829,15 @@
         </p:nvSpPr>
         <p:spPr/>
         <p:txBody>
-          <a:bodyPr/>
-          <a:lstStyle/>
-          <a:p>
-            <a:r>
-              <a:rPr lang="zh-CN" altLang="en-US" dirty="0" smtClean="0"/>
-              <a:t>编写网路嗅探器所需软件包</a:t>
-            </a:r>
-            <a:endParaRPr lang="zh-CN" altLang="en-US" dirty="0"/>
-          </a:p>
-        </p:txBody>
-      </p:sp>
-      <p:sp>
-        <p:nvSpPr>
-          <p:cNvPr id="3" name="内容占位符 2"/>
-          <p:cNvSpPr>
-            <a:spLocks noGrp="1"/>
-          </p:cNvSpPr>
-          <p:nvPr>
-            <p:ph idx="1"/>
-          </p:nvPr>
-        </p:nvSpPr>
-        <p:spPr/>
-        <p:txBody>
-          <a:bodyPr/>
-          <a:lstStyle/>
-          <a:p>
-            <a:r>
-              <a:rPr lang="en-US" altLang="zh-CN" dirty="0" err="1" smtClean="0"/>
-              <a:t>libpcap</a:t>
-            </a:r>
-            <a:r>
-              <a:rPr lang="en-US" altLang="zh-CN" dirty="0" smtClean="0"/>
-              <a:t>:</a:t>
-            </a:r>
-            <a:r>
-              <a:rPr lang="zh-CN" altLang="en-US" dirty="0"/>
-              <a:t>提供了系统独立的用户级别网络数据包捕获接口</a:t>
-            </a:r>
-            <a:endParaRPr lang="en-US" altLang="zh-CN" dirty="0" smtClean="0"/>
-          </a:p>
-          <a:p>
-            <a:r>
-              <a:rPr lang="en-US" altLang="zh-CN" dirty="0" err="1" smtClean="0"/>
-              <a:t>libnet</a:t>
-            </a:r>
-            <a:r>
-              <a:rPr lang="en-US" altLang="zh-CN" dirty="0" smtClean="0"/>
-              <a:t>:</a:t>
-            </a:r>
-            <a:r>
-              <a:rPr lang="zh-CN" altLang="en-US" dirty="0" smtClean="0"/>
-              <a:t>提供</a:t>
-            </a:r>
-            <a:r>
-              <a:rPr lang="zh-CN" altLang="en-US" dirty="0"/>
-              <a:t>了低层网络数据包的构造、处理和发送</a:t>
-            </a:r>
-            <a:r>
-              <a:rPr lang="zh-CN" altLang="en-US" dirty="0" smtClean="0"/>
-              <a:t>功能的简单</a:t>
-            </a:r>
-            <a:r>
-              <a:rPr lang="zh-CN" altLang="en-US" dirty="0"/>
-              <a:t>统一的网络编程接口</a:t>
-            </a:r>
-            <a:r>
-              <a:rPr lang="zh-CN" altLang="en-US" dirty="0" smtClean="0"/>
-              <a:t>。</a:t>
-            </a:r>
-            <a:endParaRPr lang="en-US" altLang="zh-CN" dirty="0" smtClean="0"/>
-          </a:p>
-          <a:p>
-            <a:r>
-              <a:rPr lang="en-US" altLang="zh-CN" dirty="0" err="1" smtClean="0"/>
-              <a:t>gcc</a:t>
-            </a:r>
-            <a:r>
-              <a:rPr lang="en-US" altLang="zh-CN" dirty="0" smtClean="0"/>
-              <a:t>: </a:t>
-            </a:r>
-            <a:r>
-              <a:rPr lang="en-US" altLang="zh-CN" dirty="0" err="1" smtClean="0"/>
-              <a:t>libpcap</a:t>
-            </a:r>
-            <a:r>
-              <a:rPr lang="zh-CN" altLang="en-US" dirty="0" smtClean="0"/>
-              <a:t>和</a:t>
-            </a:r>
-            <a:r>
-              <a:rPr lang="en-US" altLang="zh-CN" dirty="0" err="1" smtClean="0"/>
-              <a:t>libnet</a:t>
-            </a:r>
-            <a:r>
-              <a:rPr lang="zh-CN" altLang="en-US" dirty="0" smtClean="0"/>
-              <a:t>都为</a:t>
-            </a:r>
-            <a:r>
-              <a:rPr lang="en-US" altLang="zh-CN" dirty="0" smtClean="0"/>
-              <a:t>C</a:t>
-            </a:r>
-            <a:r>
-              <a:rPr lang="zh-CN" altLang="en-US" dirty="0" smtClean="0"/>
-              <a:t>接口，这里介绍的嗅探器代码都采用</a:t>
-            </a:r>
-            <a:r>
-              <a:rPr lang="en-US" altLang="zh-CN" dirty="0" smtClean="0"/>
-              <a:t>C/C++</a:t>
-            </a:r>
-            <a:r>
-              <a:rPr lang="zh-CN" altLang="en-US" dirty="0" smtClean="0"/>
-              <a:t>实现，需要</a:t>
-            </a:r>
-            <a:r>
-              <a:rPr lang="en-US" altLang="zh-CN" dirty="0" err="1" smtClean="0"/>
-              <a:t>gcc</a:t>
-            </a:r>
-            <a:r>
-              <a:rPr lang="en-US" altLang="zh-CN" dirty="0" smtClean="0"/>
-              <a:t>/g++</a:t>
-            </a:r>
-            <a:r>
-              <a:rPr lang="zh-CN" altLang="en-US" dirty="0" smtClean="0"/>
-              <a:t>编译器。</a:t>
-            </a:r>
-            <a:endParaRPr lang="en-US" altLang="zh-CN" dirty="0" smtClean="0"/>
-          </a:p>
-        </p:txBody>
-      </p:sp>
-    </p:spTree>
-  </p:cSld>
-  <p:clrMapOvr>
-    <a:masterClrMapping/>
-  </p:clrMapOvr>
-  <p:timing>
-    <p:tnLst>
-      <p:par>
-        <p:cTn id="1" dur="indefinite" restart="never" nodeType="tmRoot"/>
-      </p:par>
-    </p:tnLst>
-  </p:timing>
-</p:sld>
-</file>
-
-<file path=ppt/slides/slide4.xml><?xml version="1.0" encoding="utf-8"?>
-<p:sld xmlns:a="http://schemas.openxmlformats.org/drawingml/2006/main" xmlns:r="http://schemas.openxmlformats.org/officeDocument/2006/relationships" xmlns:p="http://schemas.openxmlformats.org/presentationml/2006/main">
-  <p:cSld>
-    <p:spTree>
-      <p:nvGrpSpPr>
-        <p:cNvPr id="1" name=""/>
-        <p:cNvGrpSpPr/>
-        <p:nvPr/>
-      </p:nvGrpSpPr>
-      <p:grpSpPr>
-        <a:xfrm>
-          <a:off x="0" y="0"/>
-          <a:ext cx="0" cy="0"/>
-          <a:chOff x="0" y="0"/>
-          <a:chExt cx="0" cy="0"/>
-        </a:xfrm>
-      </p:grpSpPr>
-      <p:sp>
-        <p:nvSpPr>
-          <p:cNvPr id="2" name="标题 1"/>
-          <p:cNvSpPr>
-            <a:spLocks noGrp="1"/>
-          </p:cNvSpPr>
-          <p:nvPr>
-            <p:ph type="title"/>
-          </p:nvPr>
-        </p:nvSpPr>
-        <p:spPr/>
-        <p:txBody>
           <a:bodyPr>
             <a:normAutofit/>
           </a:bodyPr>
           <a:lstStyle/>
           <a:p>
             <a:r>
-              <a:rPr lang="zh-CN" altLang="en-US" dirty="0" smtClean="0"/>
+              <a:rPr lang="zh-CN" altLang="en-US" dirty="0"/>
               <a:t>网络嗅探器程序的通用流程</a:t>
             </a:r>
-            <a:endParaRPr lang="zh-CN" altLang="en-US" dirty="0"/>
           </a:p>
         </p:txBody>
       </p:sp>
@@ -5089,876 +6880,6 @@
   <p:clrMapOvr>
     <a:masterClrMapping/>
   </p:clrMapOvr>
-  <p:timing>
-    <p:tnLst>
-      <p:par>
-        <p:cTn id="1" dur="indefinite" restart="never" nodeType="tmRoot"/>
-      </p:par>
-    </p:tnLst>
-  </p:timing>
-</p:sld>
-</file>
-
-<file path=ppt/slides/slide5.xml><?xml version="1.0" encoding="utf-8"?>
-<p:sld xmlns:a="http://schemas.openxmlformats.org/drawingml/2006/main" xmlns:r="http://schemas.openxmlformats.org/officeDocument/2006/relationships" xmlns:p="http://schemas.openxmlformats.org/presentationml/2006/main">
-  <p:cSld>
-    <p:spTree>
-      <p:nvGrpSpPr>
-        <p:cNvPr id="1" name=""/>
-        <p:cNvGrpSpPr/>
-        <p:nvPr/>
-      </p:nvGrpSpPr>
-      <p:grpSpPr>
-        <a:xfrm>
-          <a:off x="0" y="0"/>
-          <a:ext cx="0" cy="0"/>
-          <a:chOff x="0" y="0"/>
-          <a:chExt cx="0" cy="0"/>
-        </a:xfrm>
-      </p:grpSpPr>
-      <p:sp>
-        <p:nvSpPr>
-          <p:cNvPr id="2" name="标题 1"/>
-          <p:cNvSpPr>
-            <a:spLocks noGrp="1"/>
-          </p:cNvSpPr>
-          <p:nvPr>
-            <p:ph type="title"/>
-          </p:nvPr>
-        </p:nvSpPr>
-        <p:spPr/>
-        <p:txBody>
-          <a:bodyPr>
-            <a:normAutofit/>
-          </a:bodyPr>
-          <a:lstStyle/>
-          <a:p>
-            <a:r>
-              <a:rPr lang="zh-CN" altLang="en-US" dirty="0" smtClean="0"/>
-              <a:t>仅做网络分析的程序</a:t>
-            </a:r>
-            <a:endParaRPr lang="zh-CN" altLang="en-US" dirty="0"/>
-          </a:p>
-        </p:txBody>
-      </p:sp>
-      <p:sp>
-        <p:nvSpPr>
-          <p:cNvPr id="3" name="内容占位符 2"/>
-          <p:cNvSpPr>
-            <a:spLocks noGrp="1"/>
-          </p:cNvSpPr>
-          <p:nvPr>
-            <p:ph idx="1"/>
-          </p:nvPr>
-        </p:nvSpPr>
-        <p:spPr/>
-        <p:txBody>
-          <a:bodyPr/>
-          <a:lstStyle/>
-          <a:p>
-            <a:pPr>
-              <a:buNone/>
-            </a:pPr>
-            <a:r>
-              <a:rPr lang="zh-CN" altLang="en-US" dirty="0" smtClean="0"/>
-              <a:t>基本流程：</a:t>
-            </a:r>
-            <a:endParaRPr lang="en-US" dirty="0" smtClean="0"/>
-          </a:p>
-          <a:p>
-            <a:pPr>
-              <a:buNone/>
-            </a:pPr>
-            <a:r>
-              <a:rPr lang="en-US" dirty="0" smtClean="0"/>
-              <a:t>1</a:t>
-            </a:r>
-            <a:r>
-              <a:rPr lang="zh-CN" altLang="en-US" dirty="0" smtClean="0"/>
-              <a:t>）打开设备（</a:t>
-            </a:r>
-            <a:r>
-              <a:rPr lang="en-US" dirty="0" err="1" smtClean="0"/>
-              <a:t>pcap_open_live</a:t>
-            </a:r>
-            <a:r>
-              <a:rPr lang="zh-CN" altLang="en-US" dirty="0" smtClean="0"/>
-              <a:t>）</a:t>
-            </a:r>
-          </a:p>
-          <a:p>
-            <a:pPr>
-              <a:buNone/>
-            </a:pPr>
-            <a:r>
-              <a:rPr lang="en-US" dirty="0" smtClean="0"/>
-              <a:t>2</a:t>
-            </a:r>
-            <a:r>
-              <a:rPr lang="zh-CN" altLang="en-US" dirty="0" smtClean="0"/>
-              <a:t>）设置过滤器（</a:t>
-            </a:r>
-            <a:r>
-              <a:rPr lang="en-US" dirty="0" err="1" smtClean="0"/>
-              <a:t>pcap_compile</a:t>
-            </a:r>
-            <a:r>
-              <a:rPr lang="zh-CN" altLang="en-US" dirty="0" smtClean="0"/>
-              <a:t>、</a:t>
-            </a:r>
-            <a:r>
-              <a:rPr lang="en-US" dirty="0" err="1" smtClean="0"/>
-              <a:t>pcap_setfilter</a:t>
-            </a:r>
-            <a:r>
-              <a:rPr lang="zh-CN" altLang="en-US" dirty="0" smtClean="0"/>
-              <a:t>）</a:t>
-            </a:r>
-          </a:p>
-          <a:p>
-            <a:pPr>
-              <a:buNone/>
-            </a:pPr>
-            <a:r>
-              <a:rPr lang="en-US" dirty="0" smtClean="0"/>
-              <a:t>3</a:t>
-            </a:r>
-            <a:r>
-              <a:rPr lang="zh-CN" altLang="en-US" dirty="0" smtClean="0"/>
-              <a:t>）</a:t>
-            </a:r>
-            <a:r>
-              <a:rPr lang="en-US" dirty="0" smtClean="0"/>
-              <a:t>For</a:t>
-            </a:r>
-            <a:r>
-              <a:rPr lang="zh-CN" altLang="en-US" dirty="0" smtClean="0"/>
-              <a:t>循环：</a:t>
-            </a:r>
-          </a:p>
-          <a:p>
-            <a:pPr>
-              <a:buNone/>
-            </a:pPr>
-            <a:r>
-              <a:rPr lang="en-US" dirty="0" smtClean="0"/>
-              <a:t>	a</a:t>
-            </a:r>
-            <a:r>
-              <a:rPr lang="zh-CN" altLang="en-US" dirty="0" smtClean="0"/>
-              <a:t>）抓取报文（</a:t>
-            </a:r>
-            <a:r>
-              <a:rPr lang="en-US" dirty="0" err="1" smtClean="0"/>
-              <a:t>pcap_next</a:t>
-            </a:r>
-            <a:r>
-              <a:rPr lang="zh-CN" altLang="en-US" dirty="0" smtClean="0"/>
-              <a:t>）</a:t>
-            </a:r>
-          </a:p>
-          <a:p>
-            <a:pPr>
-              <a:buNone/>
-            </a:pPr>
-            <a:r>
-              <a:rPr lang="en-US" dirty="0" smtClean="0"/>
-              <a:t>	b</a:t>
-            </a:r>
-            <a:r>
-              <a:rPr lang="zh-CN" altLang="en-US" dirty="0" smtClean="0"/>
-              <a:t>）</a:t>
-            </a:r>
-            <a:r>
-              <a:rPr lang="zh-CN" altLang="en-US" dirty="0" smtClean="0">
-                <a:solidFill>
-                  <a:srgbClr val="FF0000"/>
-                </a:solidFill>
-              </a:rPr>
-              <a:t>报文解析</a:t>
-            </a:r>
-          </a:p>
-          <a:p>
-            <a:pPr>
-              <a:buNone/>
-            </a:pPr>
-            <a:r>
-              <a:rPr lang="en-US" dirty="0" smtClean="0"/>
-              <a:t>4</a:t>
-            </a:r>
-            <a:r>
-              <a:rPr lang="zh-CN" altLang="en-US" dirty="0" smtClean="0"/>
-              <a:t>）关闭设备（</a:t>
-            </a:r>
-            <a:r>
-              <a:rPr lang="en-US" dirty="0" err="1" smtClean="0"/>
-              <a:t>pcap_close</a:t>
-            </a:r>
-            <a:r>
-              <a:rPr lang="zh-CN" altLang="en-US" dirty="0" smtClean="0"/>
-              <a:t>）</a:t>
-            </a:r>
-            <a:endParaRPr lang="zh-CN" altLang="en-US" dirty="0"/>
-          </a:p>
-        </p:txBody>
-      </p:sp>
-    </p:spTree>
-  </p:cSld>
-  <p:clrMapOvr>
-    <a:masterClrMapping/>
-  </p:clrMapOvr>
-  <p:timing>
-    <p:tnLst>
-      <p:par>
-        <p:cTn id="1" dur="indefinite" restart="never" nodeType="tmRoot"/>
-      </p:par>
-    </p:tnLst>
-  </p:timing>
-</p:sld>
-</file>
-
-<file path=ppt/slides/slide6.xml><?xml version="1.0" encoding="utf-8"?>
-<p:sld xmlns:a="http://schemas.openxmlformats.org/drawingml/2006/main" xmlns:r="http://schemas.openxmlformats.org/officeDocument/2006/relationships" xmlns:p="http://schemas.openxmlformats.org/presentationml/2006/main">
-  <p:cSld>
-    <p:spTree>
-      <p:nvGrpSpPr>
-        <p:cNvPr id="1" name=""/>
-        <p:cNvGrpSpPr/>
-        <p:nvPr/>
-      </p:nvGrpSpPr>
-      <p:grpSpPr>
-        <a:xfrm>
-          <a:off x="0" y="0"/>
-          <a:ext cx="0" cy="0"/>
-          <a:chOff x="0" y="0"/>
-          <a:chExt cx="0" cy="0"/>
-        </a:xfrm>
-      </p:grpSpPr>
-      <p:sp>
-        <p:nvSpPr>
-          <p:cNvPr id="2" name="标题 1"/>
-          <p:cNvSpPr>
-            <a:spLocks noGrp="1"/>
-          </p:cNvSpPr>
-          <p:nvPr>
-            <p:ph type="title"/>
-          </p:nvPr>
-        </p:nvSpPr>
-        <p:spPr/>
-        <p:txBody>
-          <a:bodyPr/>
-          <a:lstStyle/>
-          <a:p>
-            <a:r>
-              <a:rPr lang="zh-CN" altLang="en-US" dirty="0" smtClean="0"/>
-              <a:t>发送干预报文的程序</a:t>
-            </a:r>
-            <a:endParaRPr lang="zh-CN" altLang="en-US" dirty="0"/>
-          </a:p>
-        </p:txBody>
-      </p:sp>
-      <p:sp>
-        <p:nvSpPr>
-          <p:cNvPr id="3" name="内容占位符 2"/>
-          <p:cNvSpPr>
-            <a:spLocks noGrp="1"/>
-          </p:cNvSpPr>
-          <p:nvPr>
-            <p:ph idx="1"/>
-          </p:nvPr>
-        </p:nvSpPr>
-        <p:spPr>
-          <a:xfrm>
-            <a:off x="285720" y="1600200"/>
-            <a:ext cx="8643998" cy="4829196"/>
-          </a:xfrm>
-        </p:spPr>
-        <p:txBody>
-          <a:bodyPr>
-            <a:normAutofit fontScale="85000" lnSpcReduction="10000"/>
-          </a:bodyPr>
-          <a:lstStyle/>
-          <a:p>
-            <a:pPr>
-              <a:buNone/>
-            </a:pPr>
-            <a:r>
-              <a:rPr lang="zh-CN" altLang="en-US" dirty="0" smtClean="0"/>
-              <a:t>基本流程：</a:t>
-            </a:r>
-            <a:endParaRPr lang="en-US" dirty="0" smtClean="0"/>
-          </a:p>
-          <a:p>
-            <a:pPr>
-              <a:buNone/>
-            </a:pPr>
-            <a:r>
-              <a:rPr lang="en-US" dirty="0" smtClean="0"/>
-              <a:t>1</a:t>
-            </a:r>
-            <a:r>
-              <a:rPr lang="zh-CN" altLang="en-US" dirty="0" smtClean="0"/>
-              <a:t>）打开设备（</a:t>
-            </a:r>
-            <a:r>
-              <a:rPr lang="en-US" dirty="0" err="1" smtClean="0"/>
-              <a:t>pcap_open_live</a:t>
-            </a:r>
-            <a:r>
-              <a:rPr lang="en-US" dirty="0" smtClean="0"/>
-              <a:t>, </a:t>
-            </a:r>
-            <a:r>
-              <a:rPr lang="en-US" dirty="0" err="1" smtClean="0"/>
-              <a:t>libnet_init</a:t>
-            </a:r>
-            <a:r>
-              <a:rPr lang="zh-CN" altLang="en-US" dirty="0" smtClean="0"/>
-              <a:t>）</a:t>
-            </a:r>
-          </a:p>
-          <a:p>
-            <a:pPr>
-              <a:buNone/>
-            </a:pPr>
-            <a:r>
-              <a:rPr lang="en-US" dirty="0" smtClean="0"/>
-              <a:t>2</a:t>
-            </a:r>
-            <a:r>
-              <a:rPr lang="zh-CN" altLang="en-US" dirty="0" smtClean="0"/>
-              <a:t>）设置过滤器（</a:t>
-            </a:r>
-            <a:r>
-              <a:rPr lang="en-US" dirty="0" err="1" smtClean="0"/>
-              <a:t>pcap_compile</a:t>
-            </a:r>
-            <a:r>
-              <a:rPr lang="zh-CN" altLang="en-US" dirty="0" smtClean="0"/>
-              <a:t>、</a:t>
-            </a:r>
-            <a:r>
-              <a:rPr lang="en-US" dirty="0" err="1" smtClean="0"/>
-              <a:t>pcap_setfilter</a:t>
-            </a:r>
-            <a:r>
-              <a:rPr lang="zh-CN" altLang="en-US" dirty="0" smtClean="0"/>
-              <a:t>）</a:t>
-            </a:r>
-          </a:p>
-          <a:p>
-            <a:pPr>
-              <a:buNone/>
-            </a:pPr>
-            <a:r>
-              <a:rPr lang="en-US" dirty="0" smtClean="0"/>
-              <a:t>3</a:t>
-            </a:r>
-            <a:r>
-              <a:rPr lang="zh-CN" altLang="en-US" dirty="0" smtClean="0"/>
-              <a:t>）</a:t>
-            </a:r>
-            <a:r>
-              <a:rPr lang="en-US" dirty="0" smtClean="0"/>
-              <a:t>For</a:t>
-            </a:r>
-            <a:r>
-              <a:rPr lang="zh-CN" altLang="en-US" dirty="0" smtClean="0"/>
-              <a:t>循环：</a:t>
-            </a:r>
-          </a:p>
-          <a:p>
-            <a:pPr>
-              <a:buNone/>
-            </a:pPr>
-            <a:r>
-              <a:rPr lang="en-US" dirty="0" smtClean="0"/>
-              <a:t>	a</a:t>
-            </a:r>
-            <a:r>
-              <a:rPr lang="zh-CN" altLang="en-US" dirty="0" smtClean="0"/>
-              <a:t>）抓取报文（</a:t>
-            </a:r>
-            <a:r>
-              <a:rPr lang="en-US" dirty="0" err="1" smtClean="0"/>
-              <a:t>pcap_next</a:t>
-            </a:r>
-            <a:r>
-              <a:rPr lang="zh-CN" altLang="en-US" dirty="0" smtClean="0"/>
-              <a:t>）</a:t>
-            </a:r>
-          </a:p>
-          <a:p>
-            <a:pPr>
-              <a:buNone/>
-            </a:pPr>
-            <a:r>
-              <a:rPr lang="en-US" dirty="0" smtClean="0"/>
-              <a:t>	b</a:t>
-            </a:r>
-            <a:r>
-              <a:rPr lang="zh-CN" altLang="en-US" dirty="0" smtClean="0"/>
-              <a:t>）</a:t>
-            </a:r>
-            <a:r>
-              <a:rPr lang="zh-CN" altLang="en-US" dirty="0" smtClean="0">
-                <a:solidFill>
-                  <a:srgbClr val="FF0000"/>
-                </a:solidFill>
-              </a:rPr>
-              <a:t>报文解析</a:t>
-            </a:r>
-          </a:p>
-          <a:p>
-            <a:pPr>
-              <a:buNone/>
-            </a:pPr>
-            <a:r>
-              <a:rPr lang="en-US" dirty="0" smtClean="0"/>
-              <a:t>	c</a:t>
-            </a:r>
-            <a:r>
-              <a:rPr lang="zh-CN" altLang="en-US" dirty="0" smtClean="0"/>
-              <a:t>）</a:t>
-            </a:r>
-            <a:r>
-              <a:rPr lang="zh-CN" altLang="en-US" dirty="0" smtClean="0">
-                <a:solidFill>
-                  <a:srgbClr val="FF0000"/>
-                </a:solidFill>
-              </a:rPr>
-              <a:t>内容匹配</a:t>
-            </a:r>
-          </a:p>
-          <a:p>
-            <a:pPr>
-              <a:buNone/>
-            </a:pPr>
-            <a:r>
-              <a:rPr lang="en-US" dirty="0" smtClean="0"/>
-              <a:t>	d</a:t>
-            </a:r>
-            <a:r>
-              <a:rPr lang="zh-CN" altLang="en-US" dirty="0" smtClean="0"/>
-              <a:t>）</a:t>
-            </a:r>
-            <a:r>
-              <a:rPr lang="zh-CN" altLang="en-US" dirty="0" smtClean="0">
-                <a:solidFill>
-                  <a:srgbClr val="FF0000"/>
-                </a:solidFill>
-              </a:rPr>
-              <a:t>伪造响应报文</a:t>
-            </a:r>
-            <a:r>
-              <a:rPr lang="zh-CN" altLang="en-US" dirty="0" smtClean="0"/>
-              <a:t>（</a:t>
-            </a:r>
-            <a:r>
-              <a:rPr lang="en-US" dirty="0" err="1" smtClean="0"/>
-              <a:t>libnet_build_xxx</a:t>
-            </a:r>
-            <a:r>
-              <a:rPr lang="zh-CN" altLang="en-US" dirty="0" smtClean="0"/>
-              <a:t>）</a:t>
-            </a:r>
-          </a:p>
-          <a:p>
-            <a:pPr>
-              <a:buNone/>
-            </a:pPr>
-            <a:r>
-              <a:rPr lang="en-US" dirty="0" smtClean="0"/>
-              <a:t>	e</a:t>
-            </a:r>
-            <a:r>
-              <a:rPr lang="zh-CN" altLang="en-US" dirty="0" smtClean="0"/>
-              <a:t>）发送响应报文（</a:t>
-            </a:r>
-            <a:r>
-              <a:rPr lang="en-US" dirty="0" err="1" smtClean="0"/>
-              <a:t>libnet_write</a:t>
-            </a:r>
-            <a:r>
-              <a:rPr lang="zh-CN" altLang="en-US" dirty="0" smtClean="0"/>
-              <a:t>、</a:t>
-            </a:r>
-            <a:r>
-              <a:rPr lang="en-US" dirty="0" err="1" smtClean="0"/>
-              <a:t>libnet_clear_packet</a:t>
-            </a:r>
-            <a:r>
-              <a:rPr lang="zh-CN" altLang="en-US" dirty="0" smtClean="0"/>
-              <a:t>）</a:t>
-            </a:r>
-          </a:p>
-          <a:p>
-            <a:pPr>
-              <a:buNone/>
-            </a:pPr>
-            <a:r>
-              <a:rPr lang="en-US" dirty="0" smtClean="0"/>
-              <a:t>4</a:t>
-            </a:r>
-            <a:r>
-              <a:rPr lang="zh-CN" altLang="en-US" dirty="0" smtClean="0"/>
-              <a:t>）关闭设备（</a:t>
-            </a:r>
-            <a:r>
-              <a:rPr lang="en-US" dirty="0" err="1" smtClean="0"/>
-              <a:t>pcap_close</a:t>
-            </a:r>
-            <a:r>
-              <a:rPr lang="zh-CN" altLang="en-US" dirty="0" smtClean="0"/>
-              <a:t>、</a:t>
-            </a:r>
-            <a:r>
-              <a:rPr lang="en-US" dirty="0" err="1" smtClean="0"/>
-              <a:t>libnet_destroy</a:t>
-            </a:r>
-            <a:r>
-              <a:rPr lang="zh-CN" altLang="en-US" dirty="0" smtClean="0"/>
-              <a:t>）</a:t>
-            </a:r>
-          </a:p>
-        </p:txBody>
-      </p:sp>
-    </p:spTree>
-  </p:cSld>
-  <p:clrMapOvr>
-    <a:masterClrMapping/>
-  </p:clrMapOvr>
-  <p:timing>
-    <p:tnLst>
-      <p:par>
-        <p:cTn id="1" dur="indefinite" restart="never" nodeType="tmRoot"/>
-      </p:par>
-    </p:tnLst>
-  </p:timing>
-</p:sld>
-</file>
-
-<file path=ppt/slides/slide7.xml><?xml version="1.0" encoding="utf-8"?>
-<p:sld xmlns:a="http://schemas.openxmlformats.org/drawingml/2006/main" xmlns:r="http://schemas.openxmlformats.org/officeDocument/2006/relationships" xmlns:p="http://schemas.openxmlformats.org/presentationml/2006/main">
-  <p:cSld>
-    <p:spTree>
-      <p:nvGrpSpPr>
-        <p:cNvPr id="1" name=""/>
-        <p:cNvGrpSpPr/>
-        <p:nvPr/>
-      </p:nvGrpSpPr>
-      <p:grpSpPr>
-        <a:xfrm>
-          <a:off x="0" y="0"/>
-          <a:ext cx="0" cy="0"/>
-          <a:chOff x="0" y="0"/>
-          <a:chExt cx="0" cy="0"/>
-        </a:xfrm>
-      </p:grpSpPr>
-      <p:sp>
-        <p:nvSpPr>
-          <p:cNvPr id="2" name="标题 1"/>
-          <p:cNvSpPr>
-            <a:spLocks noGrp="1"/>
-          </p:cNvSpPr>
-          <p:nvPr>
-            <p:ph type="title"/>
-          </p:nvPr>
-        </p:nvSpPr>
-        <p:spPr/>
-        <p:txBody>
-          <a:bodyPr/>
-          <a:lstStyle/>
-          <a:p>
-            <a:r>
-              <a:rPr lang="zh-CN" altLang="en-US" dirty="0"/>
-              <a:t>实验</a:t>
-            </a:r>
-          </a:p>
-        </p:txBody>
-      </p:sp>
-      <p:sp>
-        <p:nvSpPr>
-          <p:cNvPr id="3" name="内容占位符 2"/>
-          <p:cNvSpPr>
-            <a:spLocks noGrp="1"/>
-          </p:cNvSpPr>
-          <p:nvPr>
-            <p:ph idx="1"/>
-          </p:nvPr>
-        </p:nvSpPr>
-        <p:spPr/>
-        <p:txBody>
-          <a:bodyPr/>
-          <a:lstStyle/>
-          <a:p>
-            <a:r>
-              <a:rPr lang="zh-CN" altLang="en-US" dirty="0" smtClean="0"/>
-              <a:t>实现一个可以伪造</a:t>
-            </a:r>
-            <a:r>
-              <a:rPr lang="en-US" altLang="zh-CN" dirty="0" smtClean="0"/>
-              <a:t>HTTP</a:t>
-            </a:r>
-            <a:r>
-              <a:rPr lang="zh-CN" altLang="en-US" dirty="0" smtClean="0"/>
-              <a:t>响应报文的嗅探器程序。</a:t>
-            </a:r>
-            <a:endParaRPr lang="en-US" altLang="zh-CN" dirty="0" smtClean="0"/>
-          </a:p>
-          <a:p>
-            <a:r>
-              <a:rPr lang="zh-CN" altLang="en-US" dirty="0" smtClean="0"/>
-              <a:t>前置条件</a:t>
-            </a:r>
-            <a:r>
-              <a:rPr lang="en-US" altLang="zh-CN" dirty="0" smtClean="0"/>
-              <a:t>1</a:t>
-            </a:r>
-            <a:r>
-              <a:rPr lang="zh-CN" altLang="en-US" dirty="0" smtClean="0"/>
-              <a:t>：在被攻击人的计算机和互联网之间某个网络环节，可以抓起到被攻击人的计算机的网络流量。</a:t>
-            </a:r>
-            <a:endParaRPr lang="en-US" altLang="zh-CN" dirty="0" smtClean="0"/>
-          </a:p>
-          <a:p>
-            <a:r>
-              <a:rPr lang="zh-CN" altLang="en-US" dirty="0" smtClean="0"/>
-              <a:t>前置条件</a:t>
-            </a:r>
-            <a:r>
-              <a:rPr lang="en-US" altLang="zh-CN" dirty="0" smtClean="0"/>
-              <a:t>2</a:t>
-            </a:r>
-            <a:r>
-              <a:rPr lang="zh-CN" altLang="en-US" dirty="0" smtClean="0"/>
-              <a:t>：有攻击线路可以将伪造报文通过网络发送到被攻击人的计算机的网络接口。</a:t>
-            </a:r>
-            <a:endParaRPr lang="zh-CN" altLang="en-US" dirty="0"/>
-          </a:p>
-        </p:txBody>
-      </p:sp>
-    </p:spTree>
-  </p:cSld>
-  <p:clrMapOvr>
-    <a:masterClrMapping/>
-  </p:clrMapOvr>
-  <p:timing>
-    <p:tnLst>
-      <p:par>
-        <p:cTn id="1" dur="indefinite" restart="never" nodeType="tmRoot"/>
-      </p:par>
-    </p:tnLst>
-  </p:timing>
-</p:sld>
-</file>
-
-<file path=ppt/slides/slide8.xml><?xml version="1.0" encoding="utf-8"?>
-<p:sld xmlns:a="http://schemas.openxmlformats.org/drawingml/2006/main" xmlns:r="http://schemas.openxmlformats.org/officeDocument/2006/relationships" xmlns:p="http://schemas.openxmlformats.org/presentationml/2006/main">
-  <p:cSld>
-    <p:spTree>
-      <p:nvGrpSpPr>
-        <p:cNvPr id="1" name=""/>
-        <p:cNvGrpSpPr/>
-        <p:nvPr/>
-      </p:nvGrpSpPr>
-      <p:grpSpPr>
-        <a:xfrm>
-          <a:off x="0" y="0"/>
-          <a:ext cx="0" cy="0"/>
-          <a:chOff x="0" y="0"/>
-          <a:chExt cx="0" cy="0"/>
-        </a:xfrm>
-      </p:grpSpPr>
-      <p:sp>
-        <p:nvSpPr>
-          <p:cNvPr id="2" name="标题 1"/>
-          <p:cNvSpPr>
-            <a:spLocks noGrp="1"/>
-          </p:cNvSpPr>
-          <p:nvPr>
-            <p:ph type="title"/>
-          </p:nvPr>
-        </p:nvSpPr>
-        <p:spPr/>
-        <p:txBody>
-          <a:bodyPr/>
-          <a:lstStyle/>
-          <a:p>
-            <a:r>
-              <a:rPr lang="zh-CN" altLang="en-US" dirty="0" smtClean="0"/>
-              <a:t>从应用层协议角度看</a:t>
-            </a:r>
-            <a:r>
-              <a:rPr lang="en-US" altLang="zh-CN" dirty="0" smtClean="0"/>
-              <a:t>HTTP</a:t>
-            </a:r>
-            <a:r>
-              <a:rPr lang="zh-CN" altLang="en-US" dirty="0" smtClean="0"/>
-              <a:t>交互</a:t>
-            </a:r>
-            <a:endParaRPr lang="zh-CN" altLang="en-US" dirty="0"/>
-          </a:p>
-        </p:txBody>
-      </p:sp>
-      <p:pic>
-        <p:nvPicPr>
-          <p:cNvPr id="4" name="内容占位符 3"/>
-          <p:cNvPicPr>
-            <a:picLocks noGrp="1"/>
-          </p:cNvPicPr>
-          <p:nvPr>
-            <p:ph idx="1"/>
-          </p:nvPr>
-        </p:nvPicPr>
-        <p:blipFill>
-          <a:blip r:embed="rId2"/>
-          <a:stretch>
-            <a:fillRect/>
-          </a:stretch>
-        </p:blipFill>
-        <p:spPr>
-          <a:xfrm>
-            <a:off x="467544" y="1628800"/>
-            <a:ext cx="8208912" cy="4752528"/>
-          </a:xfrm>
-          <a:prstGeom prst="rect">
-            <a:avLst/>
-          </a:prstGeom>
-        </p:spPr>
-      </p:pic>
-    </p:spTree>
-    <p:extLst>
-      <p:ext uri="{BB962C8B-B14F-4D97-AF65-F5344CB8AC3E}">
-        <p14:creationId xmlns:p14="http://schemas.microsoft.com/office/powerpoint/2010/main" val="2184553173"/>
-      </p:ext>
-    </p:extLst>
-  </p:cSld>
-  <p:clrMapOvr>
-    <a:masterClrMapping/>
-  </p:clrMapOvr>
-  <p:timing>
-    <p:tnLst>
-      <p:par>
-        <p:cTn id="1" dur="indefinite" restart="never" nodeType="tmRoot"/>
-      </p:par>
-    </p:tnLst>
-  </p:timing>
-</p:sld>
-</file>
-
-<file path=ppt/slides/slide9.xml><?xml version="1.0" encoding="utf-8"?>
-<p:sld xmlns:a="http://schemas.openxmlformats.org/drawingml/2006/main" xmlns:r="http://schemas.openxmlformats.org/officeDocument/2006/relationships" xmlns:p="http://schemas.openxmlformats.org/presentationml/2006/main">
-  <p:cSld>
-    <p:spTree>
-      <p:nvGrpSpPr>
-        <p:cNvPr id="1" name=""/>
-        <p:cNvGrpSpPr/>
-        <p:nvPr/>
-      </p:nvGrpSpPr>
-      <p:grpSpPr>
-        <a:xfrm>
-          <a:off x="0" y="0"/>
-          <a:ext cx="0" cy="0"/>
-          <a:chOff x="0" y="0"/>
-          <a:chExt cx="0" cy="0"/>
-        </a:xfrm>
-      </p:grpSpPr>
-      <p:sp>
-        <p:nvSpPr>
-          <p:cNvPr id="2" name="标题 1"/>
-          <p:cNvSpPr>
-            <a:spLocks noGrp="1"/>
-          </p:cNvSpPr>
-          <p:nvPr>
-            <p:ph type="title"/>
-          </p:nvPr>
-        </p:nvSpPr>
-        <p:spPr/>
-        <p:txBody>
-          <a:bodyPr>
-            <a:normAutofit fontScale="90000"/>
-          </a:bodyPr>
-          <a:lstStyle/>
-          <a:p>
-            <a:r>
-              <a:rPr lang="zh-CN" altLang="en-US" dirty="0" smtClean="0"/>
-              <a:t>从传输层（</a:t>
-            </a:r>
-            <a:r>
-              <a:rPr lang="en-US" altLang="zh-CN" dirty="0" smtClean="0"/>
-              <a:t>TCP</a:t>
-            </a:r>
-            <a:r>
-              <a:rPr lang="zh-CN" altLang="en-US" dirty="0" smtClean="0"/>
-              <a:t>）角度看</a:t>
-            </a:r>
-            <a:r>
-              <a:rPr lang="en-US" altLang="zh-CN" dirty="0" smtClean="0"/>
-              <a:t>HTTP</a:t>
-            </a:r>
-            <a:r>
-              <a:rPr lang="zh-CN" altLang="en-US" dirty="0" smtClean="0"/>
-              <a:t>交互</a:t>
-            </a:r>
-            <a:endParaRPr lang="zh-CN" altLang="en-US" dirty="0"/>
-          </a:p>
-        </p:txBody>
-      </p:sp>
-      <p:pic>
-        <p:nvPicPr>
-          <p:cNvPr id="4" name="内容占位符 3" descr="C:\Users\Administrator\AppData\Roaming\Tencent\Users\783997762\QQ\WinTemp\RichOle\4EJ}SVWO(RQH%P_H3O]D5MN.png"/>
-          <p:cNvPicPr>
-            <a:picLocks noGrp="1"/>
-          </p:cNvPicPr>
-          <p:nvPr>
-            <p:ph idx="1"/>
-          </p:nvPr>
-        </p:nvPicPr>
-        <p:blipFill>
-          <a:blip r:embed="rId2">
-            <a:extLst>
-              <a:ext uri="{28A0092B-C50C-407E-A947-70E740481C1C}">
-                <a14:useLocalDpi xmlns:a14="http://schemas.microsoft.com/office/drawing/2010/main" val="0"/>
-              </a:ext>
-            </a:extLst>
-          </a:blip>
-          <a:srcRect/>
-          <a:stretch>
-            <a:fillRect/>
-          </a:stretch>
-        </p:blipFill>
-        <p:spPr bwMode="auto">
-          <a:xfrm>
-            <a:off x="611560" y="1196752"/>
-            <a:ext cx="7920880" cy="5328592"/>
-          </a:xfrm>
-          <a:prstGeom prst="rect">
-            <a:avLst/>
-          </a:prstGeom>
-          <a:noFill/>
-          <a:ln>
-            <a:noFill/>
-          </a:ln>
-        </p:spPr>
-      </p:pic>
-    </p:spTree>
-    <p:extLst>
-      <p:ext uri="{BB962C8B-B14F-4D97-AF65-F5344CB8AC3E}">
-        <p14:creationId xmlns:p14="http://schemas.microsoft.com/office/powerpoint/2010/main" val="1107217514"/>
-      </p:ext>
-    </p:extLst>
-  </p:cSld>
-  <p:clrMapOvr>
-    <a:masterClrMapping/>
-  </p:clrMapOvr>
-  <p:timing>
-    <p:tnLst>
-      <p:par>
-        <p:cTn id="1" dur="indefinite" restart="never" nodeType="tmRoot"/>
-      </p:par>
-    </p:tnLst>
-  </p:timing>
 </p:sld>
 </file>
 
@@ -6243,4 +7164,299 @@
   <a:objectDefaults/>
   <a:extraClrSchemeLst/>
 </a:theme>
+</file>
+
+<file path=ppt/theme/theme2.xml><?xml version="1.0" encoding="utf-8"?>
+<a:theme xmlns:a="http://schemas.openxmlformats.org/drawingml/2006/main" name="Office 主题​​">
+  <a:themeElements>
+    <a:clrScheme name="Office">
+      <a:dk1>
+        <a:sysClr val="windowText" lastClr="000000"/>
+      </a:dk1>
+      <a:lt1>
+        <a:sysClr val="window" lastClr="FFFFFF"/>
+      </a:lt1>
+      <a:dk2>
+        <a:srgbClr val="44546A"/>
+      </a:dk2>
+      <a:lt2>
+        <a:srgbClr val="E7E6E6"/>
+      </a:lt2>
+      <a:accent1>
+        <a:srgbClr val="4472C4"/>
+      </a:accent1>
+      <a:accent2>
+        <a:srgbClr val="ED7D31"/>
+      </a:accent2>
+      <a:accent3>
+        <a:srgbClr val="A5A5A5"/>
+      </a:accent3>
+      <a:accent4>
+        <a:srgbClr val="FFC000"/>
+      </a:accent4>
+      <a:accent5>
+        <a:srgbClr val="5B9BD5"/>
+      </a:accent5>
+      <a:accent6>
+        <a:srgbClr val="70AD47"/>
+      </a:accent6>
+      <a:hlink>
+        <a:srgbClr val="0563C1"/>
+      </a:hlink>
+      <a:folHlink>
+        <a:srgbClr val="954F72"/>
+      </a:folHlink>
+    </a:clrScheme>
+    <a:fontScheme name="Office">
+      <a:majorFont>
+        <a:latin typeface="等线 Light" panose="020F0302020204030204"/>
+        <a:ea typeface=""/>
+        <a:cs typeface=""/>
+        <a:font script="Jpan" typeface="游ゴシック Light"/>
+        <a:font script="Hang" typeface="맑은 고딕"/>
+        <a:font script="Hans" typeface="等线 Light"/>
+        <a:font script="Hant" typeface="新細明體"/>
+        <a:font script="Arab" typeface="Times New Roman"/>
+        <a:font script="Hebr" typeface="Times New Roman"/>
+        <a:font script="Thai" typeface="Angsana New"/>
+        <a:font script="Ethi" typeface="Nyala"/>
+        <a:font script="Beng" typeface="Vrinda"/>
+        <a:font script="Gujr" typeface="Shruti"/>
+        <a:font script="Khmr" typeface="MoolBoran"/>
+        <a:font script="Knda" typeface="Tunga"/>
+        <a:font script="Guru" typeface="Raavi"/>
+        <a:font script="Cans" typeface="Euphemia"/>
+        <a:font script="Cher" typeface="Plantagenet Cherokee"/>
+        <a:font script="Yiii" typeface="Microsoft Yi Baiti"/>
+        <a:font script="Tibt" typeface="Microsoft Himalaya"/>
+        <a:font script="Thaa" typeface="MV Boli"/>
+        <a:font script="Deva" typeface="Mangal"/>
+        <a:font script="Telu" typeface="Gautami"/>
+        <a:font script="Taml" typeface="Latha"/>
+        <a:font script="Syrc" typeface="Estrangelo Edessa"/>
+        <a:font script="Orya" typeface="Kalinga"/>
+        <a:font script="Mlym" typeface="Kartika"/>
+        <a:font script="Laoo" typeface="DokChampa"/>
+        <a:font script="Sinh" typeface="Iskoola Pota"/>
+        <a:font script="Mong" typeface="Mongolian Baiti"/>
+        <a:font script="Viet" typeface="Times New Roman"/>
+        <a:font script="Uigh" typeface="Microsoft Uighur"/>
+        <a:font script="Geor" typeface="Sylfaen"/>
+        <a:font script="Armn" typeface="Arial"/>
+        <a:font script="Bugi" typeface="Leelawadee UI"/>
+        <a:font script="Bopo" typeface="Microsoft JhengHei"/>
+        <a:font script="Java" typeface="Javanese Text"/>
+        <a:font script="Lisu" typeface="Segoe UI"/>
+        <a:font script="Mymr" typeface="Myanmar Text"/>
+        <a:font script="Nkoo" typeface="Ebrima"/>
+        <a:font script="Olck" typeface="Nirmala UI"/>
+        <a:font script="Osma" typeface="Ebrima"/>
+        <a:font script="Phag" typeface="Phagspa"/>
+        <a:font script="Syrn" typeface="Estrangelo Edessa"/>
+        <a:font script="Syrj" typeface="Estrangelo Edessa"/>
+        <a:font script="Syre" typeface="Estrangelo Edessa"/>
+        <a:font script="Sora" typeface="Nirmala UI"/>
+        <a:font script="Tale" typeface="Microsoft Tai Le"/>
+        <a:font script="Talu" typeface="Microsoft New Tai Lue"/>
+        <a:font script="Tfng" typeface="Ebrima"/>
+      </a:majorFont>
+      <a:minorFont>
+        <a:latin typeface="等线" panose="020F0502020204030204"/>
+        <a:ea typeface=""/>
+        <a:cs typeface=""/>
+        <a:font script="Jpan" typeface="游ゴシック"/>
+        <a:font script="Hang" typeface="맑은 고딕"/>
+        <a:font script="Hans" typeface="等线"/>
+        <a:font script="Hant" typeface="新細明體"/>
+        <a:font script="Arab" typeface="Arial"/>
+        <a:font script="Hebr" typeface="Arial"/>
+        <a:font script="Thai" typeface="Cordia New"/>
+        <a:font script="Ethi" typeface="Nyala"/>
+        <a:font script="Beng" typeface="Vrinda"/>
+        <a:font script="Gujr" typeface="Shruti"/>
+        <a:font script="Khmr" typeface="DaunPenh"/>
+        <a:font script="Knda" typeface="Tunga"/>
+        <a:font script="Guru" typeface="Raavi"/>
+        <a:font script="Cans" typeface="Euphemia"/>
+        <a:font script="Cher" typeface="Plantagenet Cherokee"/>
+        <a:font script="Yiii" typeface="Microsoft Yi Baiti"/>
+        <a:font script="Tibt" typeface="Microsoft Himalaya"/>
+        <a:font script="Thaa" typeface="MV Boli"/>
+        <a:font script="Deva" typeface="Mangal"/>
+        <a:font script="Telu" typeface="Gautami"/>
+        <a:font script="Taml" typeface="Latha"/>
+        <a:font script="Syrc" typeface="Estrangelo Edessa"/>
+        <a:font script="Orya" typeface="Kalinga"/>
+        <a:font script="Mlym" typeface="Kartika"/>
+        <a:font script="Laoo" typeface="DokChampa"/>
+        <a:font script="Sinh" typeface="Iskoola Pota"/>
+        <a:font script="Mong" typeface="Mongolian Baiti"/>
+        <a:font script="Viet" typeface="Arial"/>
+        <a:font script="Uigh" typeface="Microsoft Uighur"/>
+        <a:font script="Geor" typeface="Sylfaen"/>
+        <a:font script="Armn" typeface="Arial"/>
+        <a:font script="Bugi" typeface="Leelawadee UI"/>
+        <a:font script="Bopo" typeface="Microsoft JhengHei"/>
+        <a:font script="Java" typeface="Javanese Text"/>
+        <a:font script="Lisu" typeface="Segoe UI"/>
+        <a:font script="Mymr" typeface="Myanmar Text"/>
+        <a:font script="Nkoo" typeface="Ebrima"/>
+        <a:font script="Olck" typeface="Nirmala UI"/>
+        <a:font script="Osma" typeface="Ebrima"/>
+        <a:font script="Phag" typeface="Phagspa"/>
+        <a:font script="Syrn" typeface="Estrangelo Edessa"/>
+        <a:font script="Syrj" typeface="Estrangelo Edessa"/>
+        <a:font script="Syre" typeface="Estrangelo Edessa"/>
+        <a:font script="Sora" typeface="Nirmala UI"/>
+        <a:font script="Tale" typeface="Microsoft Tai Le"/>
+        <a:font script="Talu" typeface="Microsoft New Tai Lue"/>
+        <a:font script="Tfng" typeface="Ebrima"/>
+      </a:minorFont>
+    </a:fontScheme>
+    <a:fmtScheme name="Office">
+      <a:fillStyleLst>
+        <a:solidFill>
+          <a:schemeClr val="phClr"/>
+        </a:solidFill>
+        <a:gradFill rotWithShape="1">
+          <a:gsLst>
+            <a:gs pos="0">
+              <a:schemeClr val="phClr">
+                <a:lumMod val="110000"/>
+                <a:satMod val="105000"/>
+                <a:tint val="67000"/>
+              </a:schemeClr>
+            </a:gs>
+            <a:gs pos="50000">
+              <a:schemeClr val="phClr">
+                <a:lumMod val="105000"/>
+                <a:satMod val="103000"/>
+                <a:tint val="73000"/>
+              </a:schemeClr>
+            </a:gs>
+            <a:gs pos="100000">
+              <a:schemeClr val="phClr">
+                <a:lumMod val="105000"/>
+                <a:satMod val="109000"/>
+                <a:tint val="81000"/>
+              </a:schemeClr>
+            </a:gs>
+          </a:gsLst>
+          <a:lin ang="5400000" scaled="0"/>
+        </a:gradFill>
+        <a:gradFill rotWithShape="1">
+          <a:gsLst>
+            <a:gs pos="0">
+              <a:schemeClr val="phClr">
+                <a:satMod val="103000"/>
+                <a:lumMod val="102000"/>
+                <a:tint val="94000"/>
+              </a:schemeClr>
+            </a:gs>
+            <a:gs pos="50000">
+              <a:schemeClr val="phClr">
+                <a:satMod val="110000"/>
+                <a:lumMod val="100000"/>
+                <a:shade val="100000"/>
+              </a:schemeClr>
+            </a:gs>
+            <a:gs pos="100000">
+              <a:schemeClr val="phClr">
+                <a:lumMod val="99000"/>
+                <a:satMod val="120000"/>
+                <a:shade val="78000"/>
+              </a:schemeClr>
+            </a:gs>
+          </a:gsLst>
+          <a:lin ang="5400000" scaled="0"/>
+        </a:gradFill>
+      </a:fillStyleLst>
+      <a:lnStyleLst>
+        <a:ln w="6350" cap="flat" cmpd="sng" algn="ctr">
+          <a:solidFill>
+            <a:schemeClr val="phClr"/>
+          </a:solidFill>
+          <a:prstDash val="solid"/>
+          <a:miter lim="800000"/>
+        </a:ln>
+        <a:ln w="12700" cap="flat" cmpd="sng" algn="ctr">
+          <a:solidFill>
+            <a:schemeClr val="phClr"/>
+          </a:solidFill>
+          <a:prstDash val="solid"/>
+          <a:miter lim="800000"/>
+        </a:ln>
+        <a:ln w="19050" cap="flat" cmpd="sng" algn="ctr">
+          <a:solidFill>
+            <a:schemeClr val="phClr"/>
+          </a:solidFill>
+          <a:prstDash val="solid"/>
+          <a:miter lim="800000"/>
+        </a:ln>
+      </a:lnStyleLst>
+      <a:effectStyleLst>
+        <a:effectStyle>
+          <a:effectLst/>
+        </a:effectStyle>
+        <a:effectStyle>
+          <a:effectLst/>
+        </a:effectStyle>
+        <a:effectStyle>
+          <a:effectLst>
+            <a:outerShdw blurRad="57150" dist="19050" dir="5400000" algn="ctr" rotWithShape="0">
+              <a:srgbClr val="000000">
+                <a:alpha val="63000"/>
+              </a:srgbClr>
+            </a:outerShdw>
+          </a:effectLst>
+        </a:effectStyle>
+      </a:effectStyleLst>
+      <a:bgFillStyleLst>
+        <a:solidFill>
+          <a:schemeClr val="phClr"/>
+        </a:solidFill>
+        <a:solidFill>
+          <a:schemeClr val="phClr">
+            <a:tint val="95000"/>
+            <a:satMod val="170000"/>
+          </a:schemeClr>
+        </a:solidFill>
+        <a:gradFill rotWithShape="1">
+          <a:gsLst>
+            <a:gs pos="0">
+              <a:schemeClr val="phClr">
+                <a:tint val="93000"/>
+                <a:satMod val="150000"/>
+                <a:shade val="98000"/>
+                <a:lumMod val="102000"/>
+              </a:schemeClr>
+            </a:gs>
+            <a:gs pos="50000">
+              <a:schemeClr val="phClr">
+                <a:tint val="98000"/>
+                <a:satMod val="130000"/>
+                <a:shade val="90000"/>
+                <a:lumMod val="103000"/>
+              </a:schemeClr>
+            </a:gs>
+            <a:gs pos="100000">
+              <a:schemeClr val="phClr">
+                <a:shade val="63000"/>
+                <a:satMod val="120000"/>
+              </a:schemeClr>
+            </a:gs>
+          </a:gsLst>
+          <a:lin ang="5400000" scaled="0"/>
+        </a:gradFill>
+      </a:bgFillStyleLst>
+    </a:fmtScheme>
+  </a:themeElements>
+  <a:objectDefaults/>
+  <a:extraClrSchemeLst/>
+  <a:extLst>
+    <a:ext uri="{05A4C25C-085E-4340-85A3-A5531E510DB2}">
+      <thm15:themeFamily xmlns:thm15="http://schemas.microsoft.com/office/thememl/2012/main" name="Office Theme" id="{62F939B6-93AF-4DB8-9C6B-D6C7DFDC589F}" vid="{4A3C46E8-61CC-4603-A589-7422A47A8E4A}"/>
+    </a:ext>
+  </a:extLst>
+</a:theme>
 </file>